--- a/C-Course/Slides/Section6-Arrays.pptx
+++ b/C-Course/Slides/Section6-Arrays.pptx
@@ -5,7 +5,7 @@
     <p:sldMasterId id="2147483648" r:id="rId1"/>
   </p:sldMasterIdLst>
   <p:notesMasterIdLst>
-    <p:notesMasterId r:id="rId12"/>
+    <p:notesMasterId r:id="rId15"/>
   </p:notesMasterIdLst>
   <p:sldIdLst>
     <p:sldId id="256" r:id="rId2"/>
@@ -16,8 +16,11 @@
     <p:sldId id="325" r:id="rId7"/>
     <p:sldId id="324" r:id="rId8"/>
     <p:sldId id="319" r:id="rId9"/>
-    <p:sldId id="320" r:id="rId10"/>
-    <p:sldId id="266" r:id="rId11"/>
+    <p:sldId id="327" r:id="rId10"/>
+    <p:sldId id="328" r:id="rId11"/>
+    <p:sldId id="329" r:id="rId12"/>
+    <p:sldId id="326" r:id="rId13"/>
+    <p:sldId id="266" r:id="rId14"/>
   </p:sldIdLst>
   <p:sldSz cx="12192000" cy="6858000"/>
   <p:notesSz cx="6858000" cy="9144000"/>
@@ -897,7 +900,7 @@
           <a:p>
             <a:r>
               <a:rPr lang="en-US" dirty="0"/>
-              <a:t>They continue until n-1 where n is equal to the total length</a:t>
+              <a:t>They continue until n-1 where n is equal to the total length.</a:t>
             </a:r>
           </a:p>
         </p:txBody>
@@ -1003,7 +1006,7 @@
           <a:p>
             <a:fld id="{4A561311-75B6-5448-8072-CF99FAEFE802}" type="slidenum">
               <a:rPr lang="en-US" smtClean="0"/>
-              <a:t>10</a:t>
+              <a:t>13</a:t>
             </a:fld>
             <a:endParaRPr lang="en-US"/>
           </a:p>
@@ -6788,6 +6791,300 @@
           <p:cNvPr id="2" name="Title 1">
             <a:extLst>
               <a:ext uri="{FF2B5EF4-FFF2-40B4-BE49-F238E27FC236}">
+                <a16:creationId xmlns:a16="http://schemas.microsoft.com/office/drawing/2014/main" id="{D0BC6982-F7DD-2A47-9B7D-27821EA4480E}"/>
+              </a:ext>
+            </a:extLst>
+          </p:cNvPr>
+          <p:cNvSpPr>
+            <a:spLocks noGrp="1"/>
+          </p:cNvSpPr>
+          <p:nvPr>
+            <p:ph type="title"/>
+          </p:nvPr>
+        </p:nvSpPr>
+        <p:spPr/>
+        <p:txBody>
+          <a:bodyPr/>
+          <a:lstStyle/>
+          <a:p>
+            <a:r>
+              <a:rPr lang="en-US" dirty="0"/>
+              <a:t>Out of bounds</a:t>
+            </a:r>
+          </a:p>
+        </p:txBody>
+      </p:sp>
+      <p:sp>
+        <p:nvSpPr>
+          <p:cNvPr id="3" name="Content Placeholder 2">
+            <a:extLst>
+              <a:ext uri="{FF2B5EF4-FFF2-40B4-BE49-F238E27FC236}">
+                <a16:creationId xmlns:a16="http://schemas.microsoft.com/office/drawing/2014/main" id="{EF0E456E-315B-5F4A-BCE3-DEEAB2BA9449}"/>
+              </a:ext>
+            </a:extLst>
+          </p:cNvPr>
+          <p:cNvSpPr>
+            <a:spLocks noGrp="1"/>
+          </p:cNvSpPr>
+          <p:nvPr>
+            <p:ph idx="1"/>
+          </p:nvPr>
+        </p:nvSpPr>
+        <p:spPr/>
+        <p:txBody>
+          <a:bodyPr/>
+          <a:lstStyle/>
+          <a:p>
+            <a:endParaRPr lang="en-US"/>
+          </a:p>
+        </p:txBody>
+      </p:sp>
+    </p:spTree>
+    <p:extLst>
+      <p:ext uri="{BB962C8B-B14F-4D97-AF65-F5344CB8AC3E}">
+        <p14:creationId xmlns:p14="http://schemas.microsoft.com/office/powerpoint/2010/main" val="411109188"/>
+      </p:ext>
+    </p:extLst>
+  </p:cSld>
+  <p:clrMapOvr>
+    <a:masterClrMapping/>
+  </p:clrMapOvr>
+</p:sld>
+</file>
+
+<file path=ppt/slides/slide11.xml><?xml version="1.0" encoding="utf-8"?>
+<p:sld xmlns:a="http://schemas.openxmlformats.org/drawingml/2006/main" xmlns:r="http://schemas.openxmlformats.org/officeDocument/2006/relationships" xmlns:p="http://schemas.openxmlformats.org/presentationml/2006/main">
+  <p:cSld>
+    <p:spTree>
+      <p:nvGrpSpPr>
+        <p:cNvPr id="1" name=""/>
+        <p:cNvGrpSpPr/>
+        <p:nvPr/>
+      </p:nvGrpSpPr>
+      <p:grpSpPr>
+        <a:xfrm>
+          <a:off x="0" y="0"/>
+          <a:ext cx="0" cy="0"/>
+          <a:chOff x="0" y="0"/>
+          <a:chExt cx="0" cy="0"/>
+        </a:xfrm>
+      </p:grpSpPr>
+      <p:sp>
+        <p:nvSpPr>
+          <p:cNvPr id="2" name="Title 1">
+            <a:extLst>
+              <a:ext uri="{FF2B5EF4-FFF2-40B4-BE49-F238E27FC236}">
+                <a16:creationId xmlns:a16="http://schemas.microsoft.com/office/drawing/2014/main" id="{024C405D-28C1-4343-80CE-37A69D328F5B}"/>
+              </a:ext>
+            </a:extLst>
+          </p:cNvPr>
+          <p:cNvSpPr>
+            <a:spLocks noGrp="1"/>
+          </p:cNvSpPr>
+          <p:nvPr>
+            <p:ph type="title"/>
+          </p:nvPr>
+        </p:nvSpPr>
+        <p:spPr/>
+        <p:txBody>
+          <a:bodyPr/>
+          <a:lstStyle/>
+          <a:p>
+            <a:r>
+              <a:rPr lang="en-US" dirty="0"/>
+              <a:t>Multidimensional array</a:t>
+            </a:r>
+          </a:p>
+        </p:txBody>
+      </p:sp>
+      <p:sp>
+        <p:nvSpPr>
+          <p:cNvPr id="3" name="Content Placeholder 2">
+            <a:extLst>
+              <a:ext uri="{FF2B5EF4-FFF2-40B4-BE49-F238E27FC236}">
+                <a16:creationId xmlns:a16="http://schemas.microsoft.com/office/drawing/2014/main" id="{91A6944B-92BE-8D45-89D7-78A08EBC02A9}"/>
+              </a:ext>
+            </a:extLst>
+          </p:cNvPr>
+          <p:cNvSpPr>
+            <a:spLocks noGrp="1"/>
+          </p:cNvSpPr>
+          <p:nvPr>
+            <p:ph idx="1"/>
+          </p:nvPr>
+        </p:nvSpPr>
+        <p:spPr/>
+        <p:txBody>
+          <a:bodyPr/>
+          <a:lstStyle/>
+          <a:p>
+            <a:endParaRPr lang="en-US"/>
+          </a:p>
+        </p:txBody>
+      </p:sp>
+    </p:spTree>
+    <p:extLst>
+      <p:ext uri="{BB962C8B-B14F-4D97-AF65-F5344CB8AC3E}">
+        <p14:creationId xmlns:p14="http://schemas.microsoft.com/office/powerpoint/2010/main" val="3652200128"/>
+      </p:ext>
+    </p:extLst>
+  </p:cSld>
+  <p:clrMapOvr>
+    <a:masterClrMapping/>
+  </p:clrMapOvr>
+</p:sld>
+</file>
+
+<file path=ppt/slides/slide12.xml><?xml version="1.0" encoding="utf-8"?>
+<p:sld xmlns:a="http://schemas.openxmlformats.org/drawingml/2006/main" xmlns:r="http://schemas.openxmlformats.org/officeDocument/2006/relationships" xmlns:p="http://schemas.openxmlformats.org/presentationml/2006/main">
+  <p:cSld>
+    <p:spTree>
+      <p:nvGrpSpPr>
+        <p:cNvPr id="1" name=""/>
+        <p:cNvGrpSpPr/>
+        <p:nvPr/>
+      </p:nvGrpSpPr>
+      <p:grpSpPr>
+        <a:xfrm>
+          <a:off x="0" y="0"/>
+          <a:ext cx="0" cy="0"/>
+          <a:chOff x="0" y="0"/>
+          <a:chExt cx="0" cy="0"/>
+        </a:xfrm>
+      </p:grpSpPr>
+      <p:sp>
+        <p:nvSpPr>
+          <p:cNvPr id="2" name="Title 1">
+            <a:extLst>
+              <a:ext uri="{FF2B5EF4-FFF2-40B4-BE49-F238E27FC236}">
+                <a16:creationId xmlns:a16="http://schemas.microsoft.com/office/drawing/2014/main" id="{C7DA4FEA-5906-D145-BC36-2C5CF219C722}"/>
+              </a:ext>
+            </a:extLst>
+          </p:cNvPr>
+          <p:cNvSpPr>
+            <a:spLocks noGrp="1"/>
+          </p:cNvSpPr>
+          <p:nvPr>
+            <p:ph type="title"/>
+          </p:nvPr>
+        </p:nvSpPr>
+        <p:spPr/>
+        <p:txBody>
+          <a:bodyPr/>
+          <a:lstStyle/>
+          <a:p>
+            <a:r>
+              <a:rPr lang="en-US" dirty="0"/>
+              <a:t>Overview</a:t>
+            </a:r>
+          </a:p>
+        </p:txBody>
+      </p:sp>
+      <p:sp>
+        <p:nvSpPr>
+          <p:cNvPr id="3" name="Content Placeholder 2">
+            <a:extLst>
+              <a:ext uri="{FF2B5EF4-FFF2-40B4-BE49-F238E27FC236}">
+                <a16:creationId xmlns:a16="http://schemas.microsoft.com/office/drawing/2014/main" id="{93DBAB44-569A-6C4D-BD21-693EC535872D}"/>
+              </a:ext>
+            </a:extLst>
+          </p:cNvPr>
+          <p:cNvSpPr>
+            <a:spLocks noGrp="1"/>
+          </p:cNvSpPr>
+          <p:nvPr>
+            <p:ph idx="1"/>
+          </p:nvPr>
+        </p:nvSpPr>
+        <p:spPr/>
+        <p:txBody>
+          <a:bodyPr/>
+          <a:lstStyle/>
+          <a:p>
+            <a:r>
+              <a:rPr lang="en-US" dirty="0"/>
+              <a:t>What in tarnation is an array?</a:t>
+            </a:r>
+          </a:p>
+          <a:p>
+            <a:r>
+              <a:rPr lang="en-US" dirty="0"/>
+              <a:t>Why do we need it?</a:t>
+            </a:r>
+          </a:p>
+          <a:p>
+            <a:r>
+              <a:rPr lang="en-US" dirty="0"/>
+              <a:t>Declaring an array</a:t>
+            </a:r>
+          </a:p>
+          <a:p>
+            <a:r>
+              <a:rPr lang="en-US" dirty="0"/>
+              <a:t>Initializing an array</a:t>
+            </a:r>
+          </a:p>
+          <a:p>
+            <a:r>
+              <a:rPr lang="en-US" dirty="0"/>
+              <a:t>Accessing elements of an array</a:t>
+            </a:r>
+          </a:p>
+          <a:p>
+            <a:r>
+              <a:rPr lang="en-US" dirty="0"/>
+              <a:t>Modifying elements of array</a:t>
+            </a:r>
+          </a:p>
+          <a:p>
+            <a:r>
+              <a:rPr lang="en-US" dirty="0"/>
+              <a:t>What is out of bounds?</a:t>
+            </a:r>
+          </a:p>
+          <a:p>
+            <a:r>
+              <a:rPr lang="en-US" dirty="0"/>
+              <a:t>Multidimensional arrays</a:t>
+            </a:r>
+          </a:p>
+        </p:txBody>
+      </p:sp>
+    </p:spTree>
+    <p:extLst>
+      <p:ext uri="{BB962C8B-B14F-4D97-AF65-F5344CB8AC3E}">
+        <p14:creationId xmlns:p14="http://schemas.microsoft.com/office/powerpoint/2010/main" val="3639911880"/>
+      </p:ext>
+    </p:extLst>
+  </p:cSld>
+  <p:clrMapOvr>
+    <a:masterClrMapping/>
+  </p:clrMapOvr>
+</p:sld>
+</file>
+
+<file path=ppt/slides/slide13.xml><?xml version="1.0" encoding="utf-8"?>
+<p:sld xmlns:a="http://schemas.openxmlformats.org/drawingml/2006/main" xmlns:r="http://schemas.openxmlformats.org/officeDocument/2006/relationships" xmlns:p="http://schemas.openxmlformats.org/presentationml/2006/main">
+  <p:cSld>
+    <p:spTree>
+      <p:nvGrpSpPr>
+        <p:cNvPr id="1" name=""/>
+        <p:cNvGrpSpPr/>
+        <p:nvPr/>
+      </p:nvGrpSpPr>
+      <p:grpSpPr>
+        <a:xfrm>
+          <a:off x="0" y="0"/>
+          <a:ext cx="0" cy="0"/>
+          <a:chOff x="0" y="0"/>
+          <a:chExt cx="0" cy="0"/>
+        </a:xfrm>
+      </p:grpSpPr>
+      <p:sp>
+        <p:nvSpPr>
+          <p:cNvPr id="2" name="Title 1">
+            <a:extLst>
+              <a:ext uri="{FF2B5EF4-FFF2-40B4-BE49-F238E27FC236}">
                 <a16:creationId xmlns:a16="http://schemas.microsoft.com/office/drawing/2014/main" id="{85A78A2E-1182-6147-AD4D-68EB9ADCB987}"/>
               </a:ext>
             </a:extLst>
@@ -6968,6 +7265,12 @@
             <a:r>
               <a:rPr lang="en-US" dirty="0"/>
               <a:t>Declaring an array</a:t>
+            </a:r>
+          </a:p>
+          <a:p>
+            <a:r>
+              <a:rPr lang="en-US" dirty="0"/>
+              <a:t>Initializing an array</a:t>
             </a:r>
           </a:p>
           <a:p>
@@ -8659,6 +8962,15 @@
 <file path=ppt/slides/slide7.xml><?xml version="1.0" encoding="utf-8"?>
 <p:sld xmlns:a="http://schemas.openxmlformats.org/drawingml/2006/main" xmlns:r="http://schemas.openxmlformats.org/officeDocument/2006/relationships" xmlns:p="http://schemas.openxmlformats.org/presentationml/2006/main">
   <p:cSld>
+    <p:bg>
+      <p:bgPr>
+        <a:blipFill>
+          <a:blip r:embed="rId3"/>
+          <a:stretch/>
+        </a:blipFill>
+        <a:effectLst/>
+      </p:bgPr>
+    </p:bg>
     <p:spTree>
       <p:nvGrpSpPr>
         <p:cNvPr id="1" name=""/>
@@ -8689,13 +9001,25 @@
             <p:ph type="title"/>
           </p:nvPr>
         </p:nvSpPr>
-        <p:spPr/>
-        <p:txBody>
-          <a:bodyPr/>
-          <a:lstStyle/>
-          <a:p>
-            <a:r>
-              <a:rPr lang="en-US" dirty="0"/>
+        <p:spPr>
+          <a:xfrm>
+            <a:off x="1327255" y="1030288"/>
+            <a:ext cx="4099947" cy="1035579"/>
+          </a:xfrm>
+        </p:spPr>
+        <p:txBody>
+          <a:bodyPr>
+            <a:normAutofit/>
+          </a:bodyPr>
+          <a:lstStyle/>
+          <a:p>
+            <a:pPr>
+              <a:lnSpc>
+                <a:spcPct val="90000"/>
+              </a:lnSpc>
+            </a:pPr>
+            <a:r>
+              <a:rPr lang="en-US" sz="3300"/>
               <a:t>Accessing elements in an array</a:t>
             </a:r>
           </a:p>
@@ -8717,9 +9041,16 @@
             <p:ph idx="1"/>
           </p:nvPr>
         </p:nvSpPr>
-        <p:spPr/>
-        <p:txBody>
-          <a:bodyPr/>
+        <p:spPr>
+          <a:xfrm>
+            <a:off x="1327255" y="2142067"/>
+            <a:ext cx="4099947" cy="3649133"/>
+          </a:xfrm>
+        </p:spPr>
+        <p:txBody>
+          <a:bodyPr>
+            <a:normAutofit/>
+          </a:bodyPr>
           <a:lstStyle/>
           <a:p>
             <a:r>
@@ -8740,8 +9071,143 @@
               <a:t>In the array mark it has a size of 5.</a:t>
             </a:r>
           </a:p>
-        </p:txBody>
-      </p:sp>
+          <a:p>
+            <a:pPr lvl="1"/>
+            <a:r>
+              <a:rPr lang="en-US" dirty="0"/>
+              <a:t>The range [0,5-1] or [0,4]</a:t>
+            </a:r>
+          </a:p>
+          <a:p>
+            <a:r>
+              <a:rPr lang="en-US" dirty="0"/>
+              <a:t>To access an element, you must know it’s associating index</a:t>
+            </a:r>
+          </a:p>
+          <a:p>
+            <a:r>
+              <a:rPr lang="en-US" dirty="0"/>
+              <a:t>Call the index within square brackets as shown in code</a:t>
+            </a:r>
+          </a:p>
+        </p:txBody>
+      </p:sp>
+      <p:pic>
+        <p:nvPicPr>
+          <p:cNvPr id="5" name="Picture 4" descr="Text&#10;&#10;Description automatically generated">
+            <a:extLst>
+              <a:ext uri="{FF2B5EF4-FFF2-40B4-BE49-F238E27FC236}">
+                <a16:creationId xmlns:a16="http://schemas.microsoft.com/office/drawing/2014/main" id="{538324D6-9C5C-E64C-B710-8A5C0CF4D793}"/>
+              </a:ext>
+            </a:extLst>
+          </p:cNvPr>
+          <p:cNvPicPr>
+            <a:picLocks noChangeAspect="1"/>
+          </p:cNvPicPr>
+          <p:nvPr/>
+        </p:nvPicPr>
+        <p:blipFill>
+          <a:blip r:embed="rId4"/>
+          <a:stretch>
+            <a:fillRect/>
+          </a:stretch>
+        </p:blipFill>
+        <p:spPr>
+          <a:xfrm>
+            <a:off x="5934235" y="582370"/>
+            <a:ext cx="5918276" cy="3965245"/>
+          </a:xfrm>
+          <a:prstGeom prst="roundRect">
+            <a:avLst>
+              <a:gd name="adj" fmla="val 6267"/>
+            </a:avLst>
+          </a:prstGeom>
+          <a:ln w="50800" cap="sq" cmpd="dbl">
+            <a:gradFill flip="none" rotWithShape="1">
+              <a:gsLst>
+                <a:gs pos="0">
+                  <a:srgbClr val="FFFFFF"/>
+                </a:gs>
+                <a:gs pos="100000">
+                  <a:schemeClr val="tx1">
+                    <a:alpha val="0"/>
+                  </a:schemeClr>
+                </a:gs>
+              </a:gsLst>
+              <a:path path="circle">
+                <a:fillToRect l="50000" t="50000" r="50000" b="50000"/>
+              </a:path>
+              <a:tileRect/>
+            </a:gradFill>
+            <a:miter lim="800000"/>
+          </a:ln>
+          <a:effectLst>
+            <a:outerShdw blurRad="254000" algn="tl" rotWithShape="0">
+              <a:srgbClr val="000000">
+                <a:alpha val="43000"/>
+              </a:srgbClr>
+            </a:outerShdw>
+          </a:effectLst>
+        </p:spPr>
+      </p:pic>
+      <p:pic>
+        <p:nvPicPr>
+          <p:cNvPr id="7" name="Picture 6" descr="Table, calendar&#10;&#10;Description automatically generated">
+            <a:extLst>
+              <a:ext uri="{FF2B5EF4-FFF2-40B4-BE49-F238E27FC236}">
+                <a16:creationId xmlns:a16="http://schemas.microsoft.com/office/drawing/2014/main" id="{C62EB1A6-F88C-C04A-97F0-6FEE177DD046}"/>
+              </a:ext>
+            </a:extLst>
+          </p:cNvPr>
+          <p:cNvPicPr>
+            <a:picLocks noChangeAspect="1"/>
+          </p:cNvPicPr>
+          <p:nvPr/>
+        </p:nvPicPr>
+        <p:blipFill>
+          <a:blip r:embed="rId5"/>
+          <a:stretch>
+            <a:fillRect/>
+          </a:stretch>
+        </p:blipFill>
+        <p:spPr>
+          <a:xfrm>
+            <a:off x="6096000" y="5266617"/>
+            <a:ext cx="5454122" cy="1009013"/>
+          </a:xfrm>
+          <a:prstGeom prst="roundRect">
+            <a:avLst>
+              <a:gd name="adj" fmla="val 6267"/>
+            </a:avLst>
+          </a:prstGeom>
+          <a:ln w="50800" cap="sq" cmpd="dbl">
+            <a:gradFill flip="none" rotWithShape="1">
+              <a:gsLst>
+                <a:gs pos="0">
+                  <a:srgbClr val="FFFFFF"/>
+                </a:gs>
+                <a:gs pos="100000">
+                  <a:schemeClr val="tx1">
+                    <a:alpha val="0"/>
+                  </a:schemeClr>
+                </a:gs>
+              </a:gsLst>
+              <a:path path="circle">
+                <a:fillToRect l="50000" t="50000" r="50000" b="50000"/>
+              </a:path>
+              <a:tileRect/>
+            </a:gradFill>
+            <a:miter lim="800000"/>
+          </a:ln>
+          <a:effectLst>
+            <a:outerShdw blurRad="254000" algn="tl" rotWithShape="0">
+              <a:srgbClr val="000000">
+                <a:alpha val="43000"/>
+              </a:srgbClr>
+            </a:outerShdw>
+          </a:effectLst>
+        </p:spPr>
+      </p:pic>
     </p:spTree>
     <p:extLst>
       <p:ext uri="{BB962C8B-B14F-4D97-AF65-F5344CB8AC3E}">
@@ -8835,12 +9301,8 @@
               <a:t>Find </a:t>
             </a:r>
             <a:r>
-              <a:rPr lang="en-US" u="sng" dirty="0"/>
-              <a:t>Input-</a:t>
-            </a:r>
-            <a:r>
               <a:rPr lang="en-US" u="sng" dirty="0" err="1"/>
-              <a:t>Exercise.c</a:t>
+              <a:t>AccessingArrays-Exercise.c</a:t>
             </a:r>
             <a:r>
               <a:rPr lang="en-US" u="sng" dirty="0"/>
@@ -8848,64 +9310,55 @@
             </a:r>
             <a:r>
               <a:rPr lang="en-US" dirty="0"/>
-              <a:t>in the Exercise folder for Section5-FlowControl</a:t>
-            </a:r>
-          </a:p>
-          <a:p>
-            <a:r>
-              <a:rPr lang="en-US" dirty="0"/>
-              <a:t>Create the </a:t>
-            </a:r>
-            <a:r>
-              <a:rPr lang="en-US" dirty="0" err="1"/>
-              <a:t>scanf</a:t>
-            </a:r>
-            <a:r>
-              <a:rPr lang="en-US" dirty="0"/>
-              <a:t> calls for the the given variables. In this one you just create the </a:t>
-            </a:r>
-            <a:r>
-              <a:rPr lang="en-US" dirty="0" err="1"/>
-              <a:t>scanf</a:t>
-            </a:r>
-            <a:r>
-              <a:rPr lang="en-US" dirty="0"/>
-              <a:t> calls in the specified areas. Example output below (your values will be different)</a:t>
+              <a:t>in the Exercise folder for Section6-Arrays</a:t>
+            </a:r>
+          </a:p>
+          <a:p>
+            <a:r>
+              <a:rPr lang="en-US" dirty="0"/>
+              <a:t>Create an array with the given details and print the specified values</a:t>
             </a:r>
           </a:p>
           <a:p>
             <a:pPr lvl="1"/>
             <a:r>
               <a:rPr lang="en-US" i="1" dirty="0"/>
-              <a:t>Give me an int number: 334</a:t>
+              <a:t>6843</a:t>
             </a:r>
           </a:p>
           <a:p>
             <a:pPr lvl="1"/>
             <a:r>
               <a:rPr lang="en-US" i="1" dirty="0"/>
-              <a:t>Give me a float number: 3.14</a:t>
+              <a:t>45</a:t>
             </a:r>
           </a:p>
           <a:p>
             <a:pPr lvl="1"/>
             <a:r>
               <a:rPr lang="en-US" i="1" dirty="0"/>
-              <a:t>Give me a double number: 3.1454454</a:t>
+              <a:t>5</a:t>
             </a:r>
           </a:p>
           <a:p>
             <a:pPr lvl="1"/>
             <a:r>
               <a:rPr lang="en-US" i="1" dirty="0"/>
-              <a:t>Give me a single character: T</a:t>
+              <a:t>2</a:t>
             </a:r>
           </a:p>
           <a:p>
             <a:pPr lvl="1"/>
             <a:r>
               <a:rPr lang="en-US" i="1" dirty="0"/>
-              <a:t>Actually, I don't want them anymore here you go: 334, 343.30 343.340000, T </a:t>
+              <a:t>354</a:t>
+            </a:r>
+          </a:p>
+          <a:p>
+            <a:pPr lvl="1"/>
+            <a:r>
+              <a:rPr lang="en-US" i="1" dirty="0"/>
+              <a:t>67</a:t>
             </a:r>
           </a:p>
           <a:p>
@@ -8951,7 +9404,7 @@
           <p:cNvPr id="2" name="Title 1">
             <a:extLst>
               <a:ext uri="{FF2B5EF4-FFF2-40B4-BE49-F238E27FC236}">
-                <a16:creationId xmlns:a16="http://schemas.microsoft.com/office/drawing/2014/main" id="{C7DA4FEA-5906-D145-BC36-2C5CF219C722}"/>
+                <a16:creationId xmlns:a16="http://schemas.microsoft.com/office/drawing/2014/main" id="{E0D833DC-1949-9640-BA9F-946BEC0557F1}"/>
               </a:ext>
             </a:extLst>
           </p:cNvPr>
@@ -8969,7 +9422,7 @@
           <a:p>
             <a:r>
               <a:rPr lang="en-US" dirty="0"/>
-              <a:t>Overview</a:t>
+              <a:t>Modifying elements in an array</a:t>
             </a:r>
           </a:p>
         </p:txBody>
@@ -8979,7 +9432,7 @@
           <p:cNvPr id="3" name="Content Placeholder 2">
             <a:extLst>
               <a:ext uri="{FF2B5EF4-FFF2-40B4-BE49-F238E27FC236}">
-                <a16:creationId xmlns:a16="http://schemas.microsoft.com/office/drawing/2014/main" id="{93DBAB44-569A-6C4D-BD21-693EC535872D}"/>
+                <a16:creationId xmlns:a16="http://schemas.microsoft.com/office/drawing/2014/main" id="{5E8EBED5-0080-7D4B-AD78-E28983DE4046}"/>
               </a:ext>
             </a:extLst>
           </p:cNvPr>
@@ -8995,53 +9448,14 @@
           <a:bodyPr/>
           <a:lstStyle/>
           <a:p>
-            <a:r>
-              <a:rPr lang="en-US" dirty="0"/>
-              <a:t>What in tarnation is an array?</a:t>
-            </a:r>
-          </a:p>
-          <a:p>
-            <a:r>
-              <a:rPr lang="en-US" dirty="0"/>
-              <a:t>Why do we need it?</a:t>
-            </a:r>
-          </a:p>
-          <a:p>
-            <a:r>
-              <a:rPr lang="en-US" dirty="0"/>
-              <a:t>Declaring an array</a:t>
-            </a:r>
-          </a:p>
-          <a:p>
-            <a:r>
-              <a:rPr lang="en-US" dirty="0"/>
-              <a:t>Accessing elements of an array</a:t>
-            </a:r>
-          </a:p>
-          <a:p>
-            <a:r>
-              <a:rPr lang="en-US" dirty="0"/>
-              <a:t>Modifying elements of array</a:t>
-            </a:r>
-          </a:p>
-          <a:p>
-            <a:r>
-              <a:rPr lang="en-US" dirty="0"/>
-              <a:t>What is out of bounds?</a:t>
-            </a:r>
-          </a:p>
-          <a:p>
-            <a:r>
-              <a:rPr lang="en-US" dirty="0"/>
-              <a:t>Multidimensional arrays</a:t>
-            </a:r>
+            <a:endParaRPr lang="en-US"/>
           </a:p>
         </p:txBody>
       </p:sp>
     </p:spTree>
     <p:extLst>
       <p:ext uri="{BB962C8B-B14F-4D97-AF65-F5344CB8AC3E}">
-        <p14:creationId xmlns:p14="http://schemas.microsoft.com/office/powerpoint/2010/main" val="1993093298"/>
+        <p14:creationId xmlns:p14="http://schemas.microsoft.com/office/powerpoint/2010/main" val="3108137180"/>
       </p:ext>
     </p:extLst>
   </p:cSld>

--- a/C-Course/Slides/Section6-Arrays.pptx
+++ b/C-Course/Slides/Section6-Arrays.pptx
@@ -5,7 +5,7 @@
     <p:sldMasterId id="2147483648" r:id="rId1"/>
   </p:sldMasterIdLst>
   <p:notesMasterIdLst>
-    <p:notesMasterId r:id="rId15"/>
+    <p:notesMasterId r:id="rId19"/>
   </p:notesMasterIdLst>
   <p:sldIdLst>
     <p:sldId id="256" r:id="rId2"/>
@@ -16,11 +16,15 @@
     <p:sldId id="325" r:id="rId7"/>
     <p:sldId id="324" r:id="rId8"/>
     <p:sldId id="319" r:id="rId9"/>
-    <p:sldId id="327" r:id="rId10"/>
-    <p:sldId id="328" r:id="rId11"/>
-    <p:sldId id="329" r:id="rId12"/>
-    <p:sldId id="326" r:id="rId13"/>
-    <p:sldId id="266" r:id="rId14"/>
+    <p:sldId id="328" r:id="rId10"/>
+    <p:sldId id="332" r:id="rId11"/>
+    <p:sldId id="331" r:id="rId12"/>
+    <p:sldId id="327" r:id="rId13"/>
+    <p:sldId id="337" r:id="rId14"/>
+    <p:sldId id="333" r:id="rId15"/>
+    <p:sldId id="335" r:id="rId16"/>
+    <p:sldId id="336" r:id="rId17"/>
+    <p:sldId id="266" r:id="rId18"/>
   </p:sldIdLst>
   <p:sldSz cx="12192000" cy="6858000"/>
   <p:notesSz cx="6858000" cy="9144000"/>
@@ -209,7 +213,7 @@
           <a:p>
             <a:fld id="{CF228947-4375-1244-9960-5B734462073D}" type="datetimeFigureOut">
               <a:rPr lang="en-US" smtClean="0"/>
-              <a:t>4/15/21</a:t>
+              <a:t>4/17/21</a:t>
             </a:fld>
             <a:endParaRPr lang="en-US"/>
           </a:p>
@@ -985,7 +989,28 @@
           <a:bodyPr/>
           <a:lstStyle/>
           <a:p>
-            <a:endParaRPr lang="en-US" dirty="0"/>
+            <a:r>
+              <a:rPr lang="en-US" dirty="0"/>
+              <a:t>So we know about indexing and how it works. Indexes are used to grab a specific element from the array. You can do this by finding the associated index to the element you want. For Example in an array with elements {45,67,87,79 24} the indexes will be 0,1,2,3,4</a:t>
+            </a:r>
+          </a:p>
+          <a:p>
+            <a:endParaRPr lang="en-US" dirty="0"/>
+          </a:p>
+          <a:p>
+            <a:r>
+              <a:rPr lang="en-US" dirty="0"/>
+              <a:t>What would happen if you give you give an index out of bounds? Let’s say a 50?</a:t>
+            </a:r>
+          </a:p>
+          <a:p>
+            <a:endParaRPr lang="en-US" dirty="0"/>
+          </a:p>
+          <a:p>
+            <a:r>
+              <a:rPr lang="en-US" dirty="0"/>
+              <a:t>Well, the program will compile (as it cannot check for it) but it will crash at runtime</a:t>
+            </a:r>
           </a:p>
         </p:txBody>
       </p:sp>
@@ -1006,7 +1031,560 @@
           <a:p>
             <a:fld id="{4A561311-75B6-5448-8072-CF99FAEFE802}" type="slidenum">
               <a:rPr lang="en-US" smtClean="0"/>
-              <a:t>13</a:t>
+              <a:t>9</a:t>
+            </a:fld>
+            <a:endParaRPr lang="en-US"/>
+          </a:p>
+        </p:txBody>
+      </p:sp>
+    </p:spTree>
+    <p:extLst>
+      <p:ext uri="{BB962C8B-B14F-4D97-AF65-F5344CB8AC3E}">
+        <p14:creationId xmlns:p14="http://schemas.microsoft.com/office/powerpoint/2010/main" val="3434177546"/>
+      </p:ext>
+    </p:extLst>
+  </p:cSld>
+  <p:clrMapOvr>
+    <a:masterClrMapping/>
+  </p:clrMapOvr>
+</p:notes>
+</file>
+
+<file path=ppt/notesSlides/notesSlide6.xml><?xml version="1.0" encoding="utf-8"?>
+<p:notes xmlns:a="http://schemas.openxmlformats.org/drawingml/2006/main" xmlns:r="http://schemas.openxmlformats.org/officeDocument/2006/relationships" xmlns:p="http://schemas.openxmlformats.org/presentationml/2006/main">
+  <p:cSld>
+    <p:spTree>
+      <p:nvGrpSpPr>
+        <p:cNvPr id="1" name=""/>
+        <p:cNvGrpSpPr/>
+        <p:nvPr/>
+      </p:nvGrpSpPr>
+      <p:grpSpPr>
+        <a:xfrm>
+          <a:off x="0" y="0"/>
+          <a:ext cx="0" cy="0"/>
+          <a:chOff x="0" y="0"/>
+          <a:chExt cx="0" cy="0"/>
+        </a:xfrm>
+      </p:grpSpPr>
+      <p:sp>
+        <p:nvSpPr>
+          <p:cNvPr id="2" name="Slide Image Placeholder 1"/>
+          <p:cNvSpPr>
+            <a:spLocks noGrp="1" noRot="1" noChangeAspect="1"/>
+          </p:cNvSpPr>
+          <p:nvPr>
+            <p:ph type="sldImg"/>
+          </p:nvPr>
+        </p:nvSpPr>
+        <p:spPr/>
+      </p:sp>
+      <p:sp>
+        <p:nvSpPr>
+          <p:cNvPr id="3" name="Notes Placeholder 2"/>
+          <p:cNvSpPr>
+            <a:spLocks noGrp="1"/>
+          </p:cNvSpPr>
+          <p:nvPr>
+            <p:ph type="body" idx="1"/>
+          </p:nvPr>
+        </p:nvSpPr>
+        <p:spPr/>
+        <p:txBody>
+          <a:bodyPr/>
+          <a:lstStyle/>
+          <a:p>
+            <a:r>
+              <a:rPr lang="en-US" dirty="0"/>
+              <a:t>Top Left: Uses the define directive to create a macro called SIZE with the value 20 inside it. A macro is a name which will stand for a fragment of code. Yes, fragment of code. It can house functions. Here, it is using it to set a constant-like value of 20 to the variable SIZE.  That macro will exist throughout the entire program. We can use it in the loop as a bound (middle expression of the for loop)</a:t>
+            </a:r>
+          </a:p>
+          <a:p>
+            <a:endParaRPr lang="en-US" dirty="0"/>
+          </a:p>
+          <a:p>
+            <a:pPr marL="0" marR="0" lvl="0" indent="0" algn="l" defTabSz="914400" rtl="0" eaLnBrk="1" fontAlgn="auto" latinLnBrk="0" hangingPunct="1">
+              <a:lnSpc>
+                <a:spcPct val="100000"/>
+              </a:lnSpc>
+              <a:spcBef>
+                <a:spcPts val="0"/>
+              </a:spcBef>
+              <a:spcAft>
+                <a:spcPts val="0"/>
+              </a:spcAft>
+              <a:buClrTx/>
+              <a:buSzTx/>
+              <a:buFontTx/>
+              <a:buNone/>
+              <a:tabLst/>
+              <a:defRPr/>
+            </a:pPr>
+            <a:r>
+              <a:rPr lang="en-US" dirty="0"/>
+              <a:t>Bottom left: Similarly, we can use the const word to create a constant variable. The variable SIZE will always have a value of 20. If we did not put the const keyword in the declaration an error would be thrown saying that the array may not be initialized. It needs to have a “constant” value. We can use it in the loop as a bound (middle expression of the for loop).</a:t>
+            </a:r>
+          </a:p>
+          <a:p>
+            <a:pPr marL="0" marR="0" lvl="0" indent="0" algn="l" defTabSz="914400" rtl="0" eaLnBrk="1" fontAlgn="auto" latinLnBrk="0" hangingPunct="1">
+              <a:lnSpc>
+                <a:spcPct val="100000"/>
+              </a:lnSpc>
+              <a:spcBef>
+                <a:spcPts val="0"/>
+              </a:spcBef>
+              <a:spcAft>
+                <a:spcPts val="0"/>
+              </a:spcAft>
+              <a:buClrTx/>
+              <a:buSzTx/>
+              <a:buFontTx/>
+              <a:buNone/>
+              <a:tabLst/>
+              <a:defRPr/>
+            </a:pPr>
+            <a:endParaRPr lang="en-US" dirty="0"/>
+          </a:p>
+          <a:p>
+            <a:pPr marL="0" marR="0" lvl="0" indent="0" algn="l" defTabSz="914400" rtl="0" eaLnBrk="1" fontAlgn="auto" latinLnBrk="0" hangingPunct="1">
+              <a:lnSpc>
+                <a:spcPct val="100000"/>
+              </a:lnSpc>
+              <a:spcBef>
+                <a:spcPts val="0"/>
+              </a:spcBef>
+              <a:spcAft>
+                <a:spcPts val="0"/>
+              </a:spcAft>
+              <a:buClrTx/>
+              <a:buSzTx/>
+              <a:buFontTx/>
+              <a:buNone/>
+              <a:tabLst/>
+              <a:defRPr/>
+            </a:pPr>
+            <a:r>
+              <a:rPr lang="en-US" dirty="0"/>
+              <a:t>Top right: Just using the literal values lol If you know the number </a:t>
+            </a:r>
+            <a:r>
+              <a:rPr lang="en-US" dirty="0" err="1"/>
+              <a:t>porque</a:t>
+            </a:r>
+            <a:r>
+              <a:rPr lang="en-US" dirty="0"/>
+              <a:t> no. We can use it in the loop as a bound (middle expression of the for loop)</a:t>
+            </a:r>
+          </a:p>
+          <a:p>
+            <a:pPr marL="0" marR="0" lvl="0" indent="0" algn="l" defTabSz="914400" rtl="0" eaLnBrk="1" fontAlgn="auto" latinLnBrk="0" hangingPunct="1">
+              <a:lnSpc>
+                <a:spcPct val="100000"/>
+              </a:lnSpc>
+              <a:spcBef>
+                <a:spcPts val="0"/>
+              </a:spcBef>
+              <a:spcAft>
+                <a:spcPts val="0"/>
+              </a:spcAft>
+              <a:buClrTx/>
+              <a:buSzTx/>
+              <a:buFontTx/>
+              <a:buNone/>
+              <a:tabLst/>
+              <a:defRPr/>
+            </a:pPr>
+            <a:endParaRPr lang="en-US" dirty="0"/>
+          </a:p>
+          <a:p>
+            <a:pPr marL="0" marR="0" lvl="0" indent="0" algn="l" defTabSz="914400" rtl="0" eaLnBrk="1" fontAlgn="auto" latinLnBrk="0" hangingPunct="1">
+              <a:lnSpc>
+                <a:spcPct val="100000"/>
+              </a:lnSpc>
+              <a:spcBef>
+                <a:spcPts val="0"/>
+              </a:spcBef>
+              <a:spcAft>
+                <a:spcPts val="0"/>
+              </a:spcAft>
+              <a:buClrTx/>
+              <a:buSzTx/>
+              <a:buFontTx/>
+              <a:buNone/>
+              <a:tabLst/>
+              <a:defRPr/>
+            </a:pPr>
+            <a:r>
+              <a:rPr lang="en-US" dirty="0"/>
+              <a:t>Bottom right: using the </a:t>
+            </a:r>
+            <a:r>
+              <a:rPr lang="en-US" dirty="0" err="1"/>
+              <a:t>sizeof</a:t>
+            </a:r>
+            <a:r>
+              <a:rPr lang="en-US" dirty="0"/>
+              <a:t>(…) function to take the size of the array. Why do we have to take the size of array and divide it by the type???????</a:t>
+            </a:r>
+          </a:p>
+          <a:p>
+            <a:pPr marL="0" marR="0" lvl="0" indent="0" algn="l" defTabSz="914400" rtl="0" eaLnBrk="1" fontAlgn="auto" latinLnBrk="0" hangingPunct="1">
+              <a:lnSpc>
+                <a:spcPct val="100000"/>
+              </a:lnSpc>
+              <a:spcBef>
+                <a:spcPts val="0"/>
+              </a:spcBef>
+              <a:spcAft>
+                <a:spcPts val="0"/>
+              </a:spcAft>
+              <a:buClrTx/>
+              <a:buSzTx/>
+              <a:buFontTx/>
+              <a:buNone/>
+              <a:tabLst/>
+              <a:defRPr/>
+            </a:pPr>
+            <a:r>
+              <a:rPr lang="en-US" dirty="0"/>
+              <a:t>We can use it in the loop as a bound (middle expression of the for loop)</a:t>
+            </a:r>
+          </a:p>
+          <a:p>
+            <a:pPr marL="0" marR="0" lvl="0" indent="0" algn="l" defTabSz="914400" rtl="0" eaLnBrk="1" fontAlgn="auto" latinLnBrk="0" hangingPunct="1">
+              <a:lnSpc>
+                <a:spcPct val="100000"/>
+              </a:lnSpc>
+              <a:spcBef>
+                <a:spcPts val="0"/>
+              </a:spcBef>
+              <a:spcAft>
+                <a:spcPts val="0"/>
+              </a:spcAft>
+              <a:buClrTx/>
+              <a:buSzTx/>
+              <a:buFontTx/>
+              <a:buNone/>
+              <a:tabLst/>
+              <a:defRPr/>
+            </a:pPr>
+            <a:endParaRPr lang="en-US" dirty="0"/>
+          </a:p>
+          <a:p>
+            <a:endParaRPr lang="en-US" dirty="0"/>
+          </a:p>
+        </p:txBody>
+      </p:sp>
+      <p:sp>
+        <p:nvSpPr>
+          <p:cNvPr id="4" name="Slide Number Placeholder 3"/>
+          <p:cNvSpPr>
+            <a:spLocks noGrp="1"/>
+          </p:cNvSpPr>
+          <p:nvPr>
+            <p:ph type="sldNum" sz="quarter" idx="5"/>
+          </p:nvPr>
+        </p:nvSpPr>
+        <p:spPr/>
+        <p:txBody>
+          <a:bodyPr/>
+          <a:lstStyle/>
+          <a:p>
+            <a:fld id="{4A561311-75B6-5448-8072-CF99FAEFE802}" type="slidenum">
+              <a:rPr lang="en-US" smtClean="0"/>
+              <a:t>10</a:t>
+            </a:fld>
+            <a:endParaRPr lang="en-US"/>
+          </a:p>
+        </p:txBody>
+      </p:sp>
+    </p:spTree>
+    <p:extLst>
+      <p:ext uri="{BB962C8B-B14F-4D97-AF65-F5344CB8AC3E}">
+        <p14:creationId xmlns:p14="http://schemas.microsoft.com/office/powerpoint/2010/main" val="3138056989"/>
+      </p:ext>
+    </p:extLst>
+  </p:cSld>
+  <p:clrMapOvr>
+    <a:masterClrMapping/>
+  </p:clrMapOvr>
+</p:notes>
+</file>
+
+<file path=ppt/notesSlides/notesSlide7.xml><?xml version="1.0" encoding="utf-8"?>
+<p:notes xmlns:a="http://schemas.openxmlformats.org/drawingml/2006/main" xmlns:r="http://schemas.openxmlformats.org/officeDocument/2006/relationships" xmlns:p="http://schemas.openxmlformats.org/presentationml/2006/main">
+  <p:cSld>
+    <p:spTree>
+      <p:nvGrpSpPr>
+        <p:cNvPr id="1" name=""/>
+        <p:cNvGrpSpPr/>
+        <p:nvPr/>
+      </p:nvGrpSpPr>
+      <p:grpSpPr>
+        <a:xfrm>
+          <a:off x="0" y="0"/>
+          <a:ext cx="0" cy="0"/>
+          <a:chOff x="0" y="0"/>
+          <a:chExt cx="0" cy="0"/>
+        </a:xfrm>
+      </p:grpSpPr>
+      <p:sp>
+        <p:nvSpPr>
+          <p:cNvPr id="2" name="Slide Image Placeholder 1"/>
+          <p:cNvSpPr>
+            <a:spLocks noGrp="1" noRot="1" noChangeAspect="1"/>
+          </p:cNvSpPr>
+          <p:nvPr>
+            <p:ph type="sldImg"/>
+          </p:nvPr>
+        </p:nvSpPr>
+        <p:spPr/>
+      </p:sp>
+      <p:sp>
+        <p:nvSpPr>
+          <p:cNvPr id="3" name="Notes Placeholder 2"/>
+          <p:cNvSpPr>
+            <a:spLocks noGrp="1"/>
+          </p:cNvSpPr>
+          <p:nvPr>
+            <p:ph type="body" idx="1"/>
+          </p:nvPr>
+        </p:nvSpPr>
+        <p:spPr/>
+        <p:txBody>
+          <a:bodyPr/>
+          <a:lstStyle/>
+          <a:p>
+            <a:r>
+              <a:rPr lang="en-US" dirty="0"/>
+              <a:t>Unfortunately inserting elements in an array isn’t as easy as updating an element. </a:t>
+            </a:r>
+          </a:p>
+          <a:p>
+            <a:endParaRPr lang="en-US" dirty="0"/>
+          </a:p>
+          <a:p>
+            <a:r>
+              <a:rPr lang="en-US" dirty="0"/>
+              <a:t>Inserting an element in the array (let’s say the middle) you will need to shift all the right elements to the right by 1</a:t>
+            </a:r>
+          </a:p>
+          <a:p>
+            <a:endParaRPr lang="en-US" dirty="0"/>
+          </a:p>
+          <a:p>
+            <a:r>
+              <a:rPr lang="en-US" dirty="0"/>
+              <a:t>https://</a:t>
+            </a:r>
+            <a:r>
+              <a:rPr lang="en-US" dirty="0" err="1"/>
+              <a:t>www.geeksforgeeks.org</a:t>
+            </a:r>
+            <a:r>
+              <a:rPr lang="en-US" dirty="0"/>
+              <a:t>/c-program-to-insert-an-element-in-an-array/</a:t>
+            </a:r>
+          </a:p>
+        </p:txBody>
+      </p:sp>
+      <p:sp>
+        <p:nvSpPr>
+          <p:cNvPr id="4" name="Slide Number Placeholder 3"/>
+          <p:cNvSpPr>
+            <a:spLocks noGrp="1"/>
+          </p:cNvSpPr>
+          <p:nvPr>
+            <p:ph type="sldNum" sz="quarter" idx="5"/>
+          </p:nvPr>
+        </p:nvSpPr>
+        <p:spPr/>
+        <p:txBody>
+          <a:bodyPr/>
+          <a:lstStyle/>
+          <a:p>
+            <a:fld id="{4A561311-75B6-5448-8072-CF99FAEFE802}" type="slidenum">
+              <a:rPr lang="en-US" smtClean="0"/>
+              <a:t>14</a:t>
+            </a:fld>
+            <a:endParaRPr lang="en-US"/>
+          </a:p>
+        </p:txBody>
+      </p:sp>
+    </p:spTree>
+    <p:extLst>
+      <p:ext uri="{BB962C8B-B14F-4D97-AF65-F5344CB8AC3E}">
+        <p14:creationId xmlns:p14="http://schemas.microsoft.com/office/powerpoint/2010/main" val="2137708626"/>
+      </p:ext>
+    </p:extLst>
+  </p:cSld>
+  <p:clrMapOvr>
+    <a:masterClrMapping/>
+  </p:clrMapOvr>
+</p:notes>
+</file>
+
+<file path=ppt/notesSlides/notesSlide8.xml><?xml version="1.0" encoding="utf-8"?>
+<p:notes xmlns:a="http://schemas.openxmlformats.org/drawingml/2006/main" xmlns:r="http://schemas.openxmlformats.org/officeDocument/2006/relationships" xmlns:p="http://schemas.openxmlformats.org/presentationml/2006/main">
+  <p:cSld>
+    <p:spTree>
+      <p:nvGrpSpPr>
+        <p:cNvPr id="1" name=""/>
+        <p:cNvGrpSpPr/>
+        <p:nvPr/>
+      </p:nvGrpSpPr>
+      <p:grpSpPr>
+        <a:xfrm>
+          <a:off x="0" y="0"/>
+          <a:ext cx="0" cy="0"/>
+          <a:chOff x="0" y="0"/>
+          <a:chExt cx="0" cy="0"/>
+        </a:xfrm>
+      </p:grpSpPr>
+      <p:sp>
+        <p:nvSpPr>
+          <p:cNvPr id="2" name="Slide Image Placeholder 1"/>
+          <p:cNvSpPr>
+            <a:spLocks noGrp="1" noRot="1" noChangeAspect="1"/>
+          </p:cNvSpPr>
+          <p:nvPr>
+            <p:ph type="sldImg"/>
+          </p:nvPr>
+        </p:nvSpPr>
+        <p:spPr/>
+      </p:sp>
+      <p:sp>
+        <p:nvSpPr>
+          <p:cNvPr id="3" name="Notes Placeholder 2"/>
+          <p:cNvSpPr>
+            <a:spLocks noGrp="1"/>
+          </p:cNvSpPr>
+          <p:nvPr>
+            <p:ph type="body" idx="1"/>
+          </p:nvPr>
+        </p:nvSpPr>
+        <p:spPr/>
+        <p:txBody>
+          <a:bodyPr/>
+          <a:lstStyle/>
+          <a:p>
+            <a:r>
+              <a:rPr lang="en-US" dirty="0"/>
+              <a:t>https://</a:t>
+            </a:r>
+            <a:r>
+              <a:rPr lang="en-US" dirty="0" err="1"/>
+              <a:t>www.geeksforgeeks.org</a:t>
+            </a:r>
+            <a:r>
+              <a:rPr lang="en-US" dirty="0"/>
+              <a:t>/c-program-to-insert-an-element-in-an-array/</a:t>
+            </a:r>
+          </a:p>
+        </p:txBody>
+      </p:sp>
+      <p:sp>
+        <p:nvSpPr>
+          <p:cNvPr id="4" name="Slide Number Placeholder 3"/>
+          <p:cNvSpPr>
+            <a:spLocks noGrp="1"/>
+          </p:cNvSpPr>
+          <p:nvPr>
+            <p:ph type="sldNum" sz="quarter" idx="5"/>
+          </p:nvPr>
+        </p:nvSpPr>
+        <p:spPr/>
+        <p:txBody>
+          <a:bodyPr/>
+          <a:lstStyle/>
+          <a:p>
+            <a:fld id="{4A561311-75B6-5448-8072-CF99FAEFE802}" type="slidenum">
+              <a:rPr lang="en-US" smtClean="0"/>
+              <a:t>15</a:t>
+            </a:fld>
+            <a:endParaRPr lang="en-US"/>
+          </a:p>
+        </p:txBody>
+      </p:sp>
+    </p:spTree>
+    <p:extLst>
+      <p:ext uri="{BB962C8B-B14F-4D97-AF65-F5344CB8AC3E}">
+        <p14:creationId xmlns:p14="http://schemas.microsoft.com/office/powerpoint/2010/main" val="4229790113"/>
+      </p:ext>
+    </p:extLst>
+  </p:cSld>
+  <p:clrMapOvr>
+    <a:masterClrMapping/>
+  </p:clrMapOvr>
+</p:notes>
+</file>
+
+<file path=ppt/notesSlides/notesSlide9.xml><?xml version="1.0" encoding="utf-8"?>
+<p:notes xmlns:a="http://schemas.openxmlformats.org/drawingml/2006/main" xmlns:r="http://schemas.openxmlformats.org/officeDocument/2006/relationships" xmlns:p="http://schemas.openxmlformats.org/presentationml/2006/main">
+  <p:cSld>
+    <p:spTree>
+      <p:nvGrpSpPr>
+        <p:cNvPr id="1" name=""/>
+        <p:cNvGrpSpPr/>
+        <p:nvPr/>
+      </p:nvGrpSpPr>
+      <p:grpSpPr>
+        <a:xfrm>
+          <a:off x="0" y="0"/>
+          <a:ext cx="0" cy="0"/>
+          <a:chOff x="0" y="0"/>
+          <a:chExt cx="0" cy="0"/>
+        </a:xfrm>
+      </p:grpSpPr>
+      <p:sp>
+        <p:nvSpPr>
+          <p:cNvPr id="2" name="Slide Image Placeholder 1"/>
+          <p:cNvSpPr>
+            <a:spLocks noGrp="1" noRot="1" noChangeAspect="1"/>
+          </p:cNvSpPr>
+          <p:nvPr>
+            <p:ph type="sldImg"/>
+          </p:nvPr>
+        </p:nvSpPr>
+        <p:spPr/>
+      </p:sp>
+      <p:sp>
+        <p:nvSpPr>
+          <p:cNvPr id="3" name="Notes Placeholder 2"/>
+          <p:cNvSpPr>
+            <a:spLocks noGrp="1"/>
+          </p:cNvSpPr>
+          <p:nvPr>
+            <p:ph type="body" idx="1"/>
+          </p:nvPr>
+        </p:nvSpPr>
+        <p:spPr/>
+        <p:txBody>
+          <a:bodyPr/>
+          <a:lstStyle/>
+          <a:p>
+            <a:endParaRPr lang="en-US" dirty="0"/>
+          </a:p>
+        </p:txBody>
+      </p:sp>
+      <p:sp>
+        <p:nvSpPr>
+          <p:cNvPr id="4" name="Slide Number Placeholder 3"/>
+          <p:cNvSpPr>
+            <a:spLocks noGrp="1"/>
+          </p:cNvSpPr>
+          <p:nvPr>
+            <p:ph type="sldNum" sz="quarter" idx="5"/>
+          </p:nvPr>
+        </p:nvSpPr>
+        <p:spPr/>
+        <p:txBody>
+          <a:bodyPr/>
+          <a:lstStyle/>
+          <a:p>
+            <a:fld id="{4A561311-75B6-5448-8072-CF99FAEFE802}" type="slidenum">
+              <a:rPr lang="en-US" smtClean="0"/>
+              <a:t>17</a:t>
             </a:fld>
             <a:endParaRPr lang="en-US"/>
           </a:p>
@@ -1255,7 +1833,7 @@
             <a:fld id="{B61BEF0D-F0BB-DE4B-95CE-6DB70DBA9567}" type="datetimeFigureOut">
               <a:rPr lang="en-US" dirty="0"/>
               <a:pPr/>
-              <a:t>4/15/21</a:t>
+              <a:t>4/17/21</a:t>
             </a:fld>
             <a:endParaRPr lang="en-US" dirty="0"/>
           </a:p>
@@ -1586,7 +2164,7 @@
             <a:fld id="{B61BEF0D-F0BB-DE4B-95CE-6DB70DBA9567}" type="datetimeFigureOut">
               <a:rPr lang="en-US" dirty="0"/>
               <a:pPr/>
-              <a:t>4/15/21</a:t>
+              <a:t>4/17/21</a:t>
             </a:fld>
             <a:endParaRPr lang="en-US" dirty="0"/>
           </a:p>
@@ -1861,7 +2439,7 @@
             <a:fld id="{B61BEF0D-F0BB-DE4B-95CE-6DB70DBA9567}" type="datetimeFigureOut">
               <a:rPr lang="en-US" dirty="0"/>
               <a:pPr/>
-              <a:t>4/15/21</a:t>
+              <a:t>4/17/21</a:t>
             </a:fld>
             <a:endParaRPr lang="en-US" dirty="0"/>
           </a:p>
@@ -2426,7 +3004,7 @@
             <a:fld id="{B61BEF0D-F0BB-DE4B-95CE-6DB70DBA9567}" type="datetimeFigureOut">
               <a:rPr lang="en-US" dirty="0"/>
               <a:pPr/>
-              <a:t>4/15/21</a:t>
+              <a:t>4/17/21</a:t>
             </a:fld>
             <a:endParaRPr lang="en-US" dirty="0"/>
           </a:p>
@@ -2701,7 +3279,7 @@
             <a:fld id="{B61BEF0D-F0BB-DE4B-95CE-6DB70DBA9567}" type="datetimeFigureOut">
               <a:rPr lang="en-US" dirty="0"/>
               <a:pPr/>
-              <a:t>4/15/21</a:t>
+              <a:t>4/17/21</a:t>
             </a:fld>
             <a:endParaRPr lang="en-US" dirty="0"/>
           </a:p>
@@ -3260,7 +3838,7 @@
             <a:fld id="{B61BEF0D-F0BB-DE4B-95CE-6DB70DBA9567}" type="datetimeFigureOut">
               <a:rPr lang="en-US" dirty="0"/>
               <a:pPr/>
-              <a:t>4/15/21</a:t>
+              <a:t>4/17/21</a:t>
             </a:fld>
             <a:endParaRPr lang="en-US" dirty="0"/>
           </a:p>
@@ -3584,7 +4162,7 @@
             <a:fld id="{B61BEF0D-F0BB-DE4B-95CE-6DB70DBA9567}" type="datetimeFigureOut">
               <a:rPr lang="en-US" dirty="0"/>
               <a:pPr/>
-              <a:t>4/15/21</a:t>
+              <a:t>4/17/21</a:t>
             </a:fld>
             <a:endParaRPr lang="en-US" dirty="0"/>
           </a:p>
@@ -3758,7 +4336,7 @@
             <a:fld id="{B61BEF0D-F0BB-DE4B-95CE-6DB70DBA9567}" type="datetimeFigureOut">
               <a:rPr lang="en-US" dirty="0"/>
               <a:pPr/>
-              <a:t>4/15/21</a:t>
+              <a:t>4/17/21</a:t>
             </a:fld>
             <a:endParaRPr lang="en-US" dirty="0"/>
           </a:p>
@@ -3993,7 +4571,7 @@
             <a:fld id="{B61BEF0D-F0BB-DE4B-95CE-6DB70DBA9567}" type="datetimeFigureOut">
               <a:rPr lang="en-US" dirty="0"/>
               <a:pPr/>
-              <a:t>4/15/21</a:t>
+              <a:t>4/17/21</a:t>
             </a:fld>
             <a:endParaRPr lang="en-US" dirty="0"/>
           </a:p>
@@ -4190,7 +4768,7 @@
             <a:fld id="{B61BEF0D-F0BB-DE4B-95CE-6DB70DBA9567}" type="datetimeFigureOut">
               <a:rPr lang="en-US" dirty="0"/>
               <a:pPr/>
-              <a:t>4/15/21</a:t>
+              <a:t>4/17/21</a:t>
             </a:fld>
             <a:endParaRPr lang="en-US" dirty="0"/>
           </a:p>
@@ -4463,7 +5041,7 @@
             <a:fld id="{B61BEF0D-F0BB-DE4B-95CE-6DB70DBA9567}" type="datetimeFigureOut">
               <a:rPr lang="en-US" dirty="0"/>
               <a:pPr/>
-              <a:t>4/15/21</a:t>
+              <a:t>4/17/21</a:t>
             </a:fld>
             <a:endParaRPr lang="en-US" dirty="0"/>
           </a:p>
@@ -4726,7 +5304,7 @@
             <a:fld id="{B61BEF0D-F0BB-DE4B-95CE-6DB70DBA9567}" type="datetimeFigureOut">
               <a:rPr lang="en-US" dirty="0"/>
               <a:pPr/>
-              <a:t>4/15/21</a:t>
+              <a:t>4/17/21</a:t>
             </a:fld>
             <a:endParaRPr lang="en-US" dirty="0"/>
           </a:p>
@@ -5097,7 +5675,7 @@
             <a:fld id="{B61BEF0D-F0BB-DE4B-95CE-6DB70DBA9567}" type="datetimeFigureOut">
               <a:rPr lang="en-US" dirty="0"/>
               <a:pPr/>
-              <a:t>4/15/21</a:t>
+              <a:t>4/17/21</a:t>
             </a:fld>
             <a:endParaRPr lang="en-US" dirty="0"/>
           </a:p>
@@ -5242,7 +5820,7 @@
             <a:fld id="{B61BEF0D-F0BB-DE4B-95CE-6DB70DBA9567}" type="datetimeFigureOut">
               <a:rPr lang="en-US" dirty="0"/>
               <a:pPr/>
-              <a:t>4/15/21</a:t>
+              <a:t>4/17/21</a:t>
             </a:fld>
             <a:endParaRPr lang="en-US" dirty="0"/>
           </a:p>
@@ -5364,7 +5942,7 @@
             <a:fld id="{B61BEF0D-F0BB-DE4B-95CE-6DB70DBA9567}" type="datetimeFigureOut">
               <a:rPr lang="en-US" dirty="0"/>
               <a:pPr/>
-              <a:t>4/15/21</a:t>
+              <a:t>4/17/21</a:t>
             </a:fld>
             <a:endParaRPr lang="en-US" dirty="0"/>
           </a:p>
@@ -5646,7 +6224,7 @@
             <a:fld id="{B61BEF0D-F0BB-DE4B-95CE-6DB70DBA9567}" type="datetimeFigureOut">
               <a:rPr lang="en-US" dirty="0"/>
               <a:pPr/>
-              <a:t>4/15/21</a:t>
+              <a:t>4/17/21</a:t>
             </a:fld>
             <a:endParaRPr lang="en-US" dirty="0"/>
           </a:p>
@@ -5967,7 +6545,7 @@
             <a:fld id="{B61BEF0D-F0BB-DE4B-95CE-6DB70DBA9567}" type="datetimeFigureOut">
               <a:rPr lang="en-US" dirty="0"/>
               <a:pPr/>
-              <a:t>4/15/21</a:t>
+              <a:t>4/17/21</a:t>
             </a:fld>
             <a:endParaRPr lang="en-US" dirty="0"/>
           </a:p>
@@ -6178,7 +6756,7 @@
             <a:fld id="{B61BEF0D-F0BB-DE4B-95CE-6DB70DBA9567}" type="datetimeFigureOut">
               <a:rPr lang="en-US" dirty="0"/>
               <a:pPr/>
-              <a:t>4/15/21</a:t>
+              <a:t>4/17/21</a:t>
             </a:fld>
             <a:endParaRPr lang="en-US" dirty="0"/>
           </a:p>
@@ -6786,63 +7364,129 @@
           <a:chExt cx="0" cy="0"/>
         </a:xfrm>
       </p:grpSpPr>
-      <p:sp>
-        <p:nvSpPr>
-          <p:cNvPr id="2" name="Title 1">
+      <p:pic>
+        <p:nvPicPr>
+          <p:cNvPr id="5" name="Content Placeholder 4" descr="Text&#10;&#10;Description automatically generated">
             <a:extLst>
               <a:ext uri="{FF2B5EF4-FFF2-40B4-BE49-F238E27FC236}">
-                <a16:creationId xmlns:a16="http://schemas.microsoft.com/office/drawing/2014/main" id="{D0BC6982-F7DD-2A47-9B7D-27821EA4480E}"/>
+                <a16:creationId xmlns:a16="http://schemas.microsoft.com/office/drawing/2014/main" id="{0437D3D1-A124-D24D-9428-FC31D085CAAD}"/>
               </a:ext>
             </a:extLst>
           </p:cNvPr>
-          <p:cNvSpPr>
-            <a:spLocks noGrp="1"/>
-          </p:cNvSpPr>
-          <p:nvPr>
-            <p:ph type="title"/>
-          </p:nvPr>
-        </p:nvSpPr>
-        <p:spPr/>
-        <p:txBody>
-          <a:bodyPr/>
-          <a:lstStyle/>
-          <a:p>
-            <a:r>
-              <a:rPr lang="en-US" dirty="0"/>
-              <a:t>Out of bounds</a:t>
-            </a:r>
-          </a:p>
-        </p:txBody>
-      </p:sp>
-      <p:sp>
-        <p:nvSpPr>
-          <p:cNvPr id="3" name="Content Placeholder 2">
+          <p:cNvPicPr>
+            <a:picLocks noGrp="1" noChangeAspect="1"/>
+          </p:cNvPicPr>
+          <p:nvPr>
+            <p:ph idx="1"/>
+          </p:nvPr>
+        </p:nvPicPr>
+        <p:blipFill>
+          <a:blip r:embed="rId3"/>
+          <a:stretch>
+            <a:fillRect/>
+          </a:stretch>
+        </p:blipFill>
+        <p:spPr>
+          <a:xfrm>
+            <a:off x="-182305" y="-258128"/>
+            <a:ext cx="6666503" cy="4035552"/>
+          </a:xfrm>
+        </p:spPr>
+      </p:pic>
+      <p:pic>
+        <p:nvPicPr>
+          <p:cNvPr id="7" name="Picture 6" descr="Text&#10;&#10;Description automatically generated">
             <a:extLst>
               <a:ext uri="{FF2B5EF4-FFF2-40B4-BE49-F238E27FC236}">
-                <a16:creationId xmlns:a16="http://schemas.microsoft.com/office/drawing/2014/main" id="{EF0E456E-315B-5F4A-BCE3-DEEAB2BA9449}"/>
+                <a16:creationId xmlns:a16="http://schemas.microsoft.com/office/drawing/2014/main" id="{B9B687CD-99EC-084A-A93E-7C859E50F590}"/>
               </a:ext>
             </a:extLst>
           </p:cNvPr>
-          <p:cNvSpPr>
-            <a:spLocks noGrp="1"/>
-          </p:cNvSpPr>
-          <p:nvPr>
-            <p:ph idx="1"/>
-          </p:nvPr>
-        </p:nvSpPr>
-        <p:spPr/>
-        <p:txBody>
-          <a:bodyPr/>
-          <a:lstStyle/>
-          <a:p>
-            <a:endParaRPr lang="en-US"/>
-          </a:p>
-        </p:txBody>
-      </p:sp>
+          <p:cNvPicPr>
+            <a:picLocks noChangeAspect="1"/>
+          </p:cNvPicPr>
+          <p:nvPr/>
+        </p:nvPicPr>
+        <p:blipFill>
+          <a:blip r:embed="rId4"/>
+          <a:stretch>
+            <a:fillRect/>
+          </a:stretch>
+        </p:blipFill>
+        <p:spPr>
+          <a:xfrm>
+            <a:off x="-167399" y="3108960"/>
+            <a:ext cx="6636690" cy="4035552"/>
+          </a:xfrm>
+          <a:prstGeom prst="rect">
+            <a:avLst/>
+          </a:prstGeom>
+        </p:spPr>
+      </p:pic>
+      <p:pic>
+        <p:nvPicPr>
+          <p:cNvPr id="9" name="Picture 8" descr="Text&#10;&#10;Description automatically generated">
+            <a:extLst>
+              <a:ext uri="{FF2B5EF4-FFF2-40B4-BE49-F238E27FC236}">
+                <a16:creationId xmlns:a16="http://schemas.microsoft.com/office/drawing/2014/main" id="{3518AC22-00FB-284A-81F6-B6846EABD3D6}"/>
+              </a:ext>
+            </a:extLst>
+          </p:cNvPr>
+          <p:cNvPicPr>
+            <a:picLocks noChangeAspect="1"/>
+          </p:cNvPicPr>
+          <p:nvPr/>
+        </p:nvPicPr>
+        <p:blipFill>
+          <a:blip r:embed="rId5"/>
+          <a:stretch>
+            <a:fillRect/>
+          </a:stretch>
+        </p:blipFill>
+        <p:spPr>
+          <a:xfrm>
+            <a:off x="5830992" y="-258128"/>
+            <a:ext cx="6538164" cy="4035552"/>
+          </a:xfrm>
+          <a:prstGeom prst="rect">
+            <a:avLst/>
+          </a:prstGeom>
+        </p:spPr>
+      </p:pic>
+      <p:pic>
+        <p:nvPicPr>
+          <p:cNvPr id="13" name="Picture 12" descr="Text&#10;&#10;Description automatically generated">
+            <a:extLst>
+              <a:ext uri="{FF2B5EF4-FFF2-40B4-BE49-F238E27FC236}">
+                <a16:creationId xmlns:a16="http://schemas.microsoft.com/office/drawing/2014/main" id="{D87603FB-B4AB-644B-AE62-9844E6E2958B}"/>
+              </a:ext>
+            </a:extLst>
+          </p:cNvPr>
+          <p:cNvPicPr>
+            <a:picLocks noChangeAspect="1"/>
+          </p:cNvPicPr>
+          <p:nvPr/>
+        </p:nvPicPr>
+        <p:blipFill>
+          <a:blip r:embed="rId6"/>
+          <a:stretch>
+            <a:fillRect/>
+          </a:stretch>
+        </p:blipFill>
+        <p:spPr>
+          <a:xfrm>
+            <a:off x="5830992" y="3108960"/>
+            <a:ext cx="6583698" cy="4035552"/>
+          </a:xfrm>
+          <a:prstGeom prst="rect">
+            <a:avLst/>
+          </a:prstGeom>
+        </p:spPr>
+      </p:pic>
     </p:spTree>
     <p:extLst>
       <p:ext uri="{BB962C8B-B14F-4D97-AF65-F5344CB8AC3E}">
-        <p14:creationId xmlns:p14="http://schemas.microsoft.com/office/powerpoint/2010/main" val="411109188"/>
+        <p14:creationId xmlns:p14="http://schemas.microsoft.com/office/powerpoint/2010/main" val="815182177"/>
       </p:ext>
     </p:extLst>
   </p:cSld>
@@ -6874,7 +7518,7 @@
           <p:cNvPr id="2" name="Title 1">
             <a:extLst>
               <a:ext uri="{FF2B5EF4-FFF2-40B4-BE49-F238E27FC236}">
-                <a16:creationId xmlns:a16="http://schemas.microsoft.com/office/drawing/2014/main" id="{024C405D-28C1-4343-80CE-37A69D328F5B}"/>
+                <a16:creationId xmlns:a16="http://schemas.microsoft.com/office/drawing/2014/main" id="{A9E0A9B7-51DB-7247-969C-90533EAECF52}"/>
               </a:ext>
             </a:extLst>
           </p:cNvPr>
@@ -6891,8 +7535,12 @@
           <a:lstStyle/>
           <a:p>
             <a:r>
-              <a:rPr lang="en-US" dirty="0"/>
-              <a:t>Multidimensional array</a:t>
+              <a:rPr lang="en-US" dirty="0">
+                <a:highlight>
+                  <a:srgbClr val="008080"/>
+                </a:highlight>
+              </a:rPr>
+              <a:t>Exercise</a:t>
             </a:r>
           </a:p>
         </p:txBody>
@@ -6902,7 +7550,7 @@
           <p:cNvPr id="3" name="Content Placeholder 2">
             <a:extLst>
               <a:ext uri="{FF2B5EF4-FFF2-40B4-BE49-F238E27FC236}">
-                <a16:creationId xmlns:a16="http://schemas.microsoft.com/office/drawing/2014/main" id="{91A6944B-92BE-8D45-89D7-78A08EBC02A9}"/>
+                <a16:creationId xmlns:a16="http://schemas.microsoft.com/office/drawing/2014/main" id="{B7868BC8-F50D-464B-ABC7-3553FD919C7C}"/>
               </a:ext>
             </a:extLst>
           </p:cNvPr>
@@ -6913,19 +7561,138 @@
             <p:ph idx="1"/>
           </p:nvPr>
         </p:nvSpPr>
-        <p:spPr/>
-        <p:txBody>
-          <a:bodyPr/>
+        <p:spPr>
+          <a:xfrm>
+            <a:off x="685800" y="1584961"/>
+            <a:ext cx="10131425" cy="4462272"/>
+          </a:xfrm>
+        </p:spPr>
+        <p:txBody>
+          <a:bodyPr>
+            <a:normAutofit fontScale="92500" lnSpcReduction="20000"/>
+          </a:bodyPr>
           <a:lstStyle/>
           <a:p>
-            <a:endParaRPr lang="en-US"/>
+            <a:r>
+              <a:rPr lang="en-US" dirty="0"/>
+              <a:t>Find </a:t>
+            </a:r>
+            <a:r>
+              <a:rPr lang="en-US" u="sng" dirty="0" err="1"/>
+              <a:t>AccessingArrays</a:t>
+            </a:r>
+            <a:r>
+              <a:rPr lang="en-US" u="sng" dirty="0"/>
+              <a:t>-Exercise-</a:t>
+            </a:r>
+            <a:r>
+              <a:rPr lang="en-US" u="sng" dirty="0" err="1"/>
+              <a:t>b.c</a:t>
+            </a:r>
+            <a:r>
+              <a:rPr lang="en-US" u="sng" dirty="0"/>
+              <a:t> </a:t>
+            </a:r>
+            <a:r>
+              <a:rPr lang="en-US" dirty="0"/>
+              <a:t>in the Exercise folder for Section6-Arrays</a:t>
+            </a:r>
+          </a:p>
+          <a:p>
+            <a:r>
+              <a:rPr lang="en-US" dirty="0"/>
+              <a:t>Using the skills you've learned up until now and loop through the array printing the odd numbers</a:t>
+            </a:r>
+          </a:p>
+          <a:p>
+            <a:pPr lvl="1"/>
+            <a:r>
+              <a:rPr lang="en-US" dirty="0"/>
+              <a:t>45</a:t>
+            </a:r>
+          </a:p>
+          <a:p>
+            <a:pPr lvl="1"/>
+            <a:r>
+              <a:rPr lang="en-US" dirty="0"/>
+              <a:t>7</a:t>
+            </a:r>
+          </a:p>
+          <a:p>
+            <a:pPr lvl="1"/>
+            <a:r>
+              <a:rPr lang="en-US" dirty="0"/>
+              <a:t>353</a:t>
+            </a:r>
+          </a:p>
+          <a:p>
+            <a:pPr lvl="1"/>
+            <a:r>
+              <a:rPr lang="en-US" dirty="0"/>
+              <a:t>57</a:t>
+            </a:r>
+          </a:p>
+          <a:p>
+            <a:pPr lvl="1"/>
+            <a:r>
+              <a:rPr lang="en-US" dirty="0"/>
+              <a:t>245</a:t>
+            </a:r>
+          </a:p>
+          <a:p>
+            <a:pPr lvl="1"/>
+            <a:r>
+              <a:rPr lang="en-US" dirty="0"/>
+              <a:t>5677</a:t>
+            </a:r>
+          </a:p>
+          <a:p>
+            <a:pPr lvl="1"/>
+            <a:r>
+              <a:rPr lang="en-US" dirty="0"/>
+              <a:t>5</a:t>
+            </a:r>
+          </a:p>
+          <a:p>
+            <a:pPr lvl="1"/>
+            <a:r>
+              <a:rPr lang="en-US" dirty="0"/>
+              <a:t>1</a:t>
+            </a:r>
+          </a:p>
+          <a:p>
+            <a:pPr lvl="1"/>
+            <a:r>
+              <a:rPr lang="en-US" dirty="0"/>
+              <a:t>35</a:t>
+            </a:r>
+          </a:p>
+          <a:p>
+            <a:pPr lvl="1"/>
+            <a:r>
+              <a:rPr lang="en-US" dirty="0"/>
+              <a:t>67</a:t>
+            </a:r>
+          </a:p>
+          <a:p>
+            <a:pPr lvl="1"/>
+            <a:r>
+              <a:rPr lang="en-US" dirty="0"/>
+              <a:t>6843</a:t>
+            </a:r>
+          </a:p>
+          <a:p>
+            <a:r>
+              <a:rPr lang="en-US" dirty="0"/>
+              <a:t>Instructions on are the script</a:t>
+            </a:r>
           </a:p>
         </p:txBody>
       </p:sp>
     </p:spTree>
     <p:extLst>
       <p:ext uri="{BB962C8B-B14F-4D97-AF65-F5344CB8AC3E}">
-        <p14:creationId xmlns:p14="http://schemas.microsoft.com/office/powerpoint/2010/main" val="3652200128"/>
+        <p14:creationId xmlns:p14="http://schemas.microsoft.com/office/powerpoint/2010/main" val="380224528"/>
       </p:ext>
     </p:extLst>
   </p:cSld>
@@ -6938,6 +7705,15 @@
 <file path=ppt/slides/slide12.xml><?xml version="1.0" encoding="utf-8"?>
 <p:sld xmlns:a="http://schemas.openxmlformats.org/drawingml/2006/main" xmlns:r="http://schemas.openxmlformats.org/officeDocument/2006/relationships" xmlns:p="http://schemas.openxmlformats.org/presentationml/2006/main">
   <p:cSld>
+    <p:bg>
+      <p:bgPr>
+        <a:blipFill>
+          <a:blip r:embed="rId2"/>
+          <a:stretch/>
+        </a:blipFill>
+        <a:effectLst/>
+      </p:bgPr>
+    </p:bg>
     <p:spTree>
       <p:nvGrpSpPr>
         <p:cNvPr id="1" name=""/>
@@ -6957,7 +7733,7 @@
           <p:cNvPr id="2" name="Title 1">
             <a:extLst>
               <a:ext uri="{FF2B5EF4-FFF2-40B4-BE49-F238E27FC236}">
-                <a16:creationId xmlns:a16="http://schemas.microsoft.com/office/drawing/2014/main" id="{C7DA4FEA-5906-D145-BC36-2C5CF219C722}"/>
+                <a16:creationId xmlns:a16="http://schemas.microsoft.com/office/drawing/2014/main" id="{E0D833DC-1949-9640-BA9F-946BEC0557F1}"/>
               </a:ext>
             </a:extLst>
           </p:cNvPr>
@@ -6968,24 +7744,166 @@
             <p:ph type="title"/>
           </p:nvPr>
         </p:nvSpPr>
-        <p:spPr/>
-        <p:txBody>
-          <a:bodyPr/>
+        <p:spPr>
+          <a:xfrm>
+            <a:off x="5266892" y="609600"/>
+            <a:ext cx="5550334" cy="1456267"/>
+          </a:xfrm>
+        </p:spPr>
+        <p:txBody>
+          <a:bodyPr>
+            <a:normAutofit/>
+          </a:bodyPr>
           <a:lstStyle/>
           <a:p>
             <a:r>
-              <a:rPr lang="en-US" dirty="0"/>
-              <a:t>Overview</a:t>
-            </a:r>
-          </a:p>
-        </p:txBody>
-      </p:sp>
+              <a:rPr lang="en-US"/>
+              <a:t>Updating elements in an array</a:t>
+            </a:r>
+            <a:endParaRPr lang="en-US" dirty="0"/>
+          </a:p>
+        </p:txBody>
+      </p:sp>
+      <p:pic>
+        <p:nvPicPr>
+          <p:cNvPr id="7" name="Picture 6" descr="Text&#10;&#10;Description automatically generated">
+            <a:extLst>
+              <a:ext uri="{FF2B5EF4-FFF2-40B4-BE49-F238E27FC236}">
+                <a16:creationId xmlns:a16="http://schemas.microsoft.com/office/drawing/2014/main" id="{C72C6392-8BCE-2840-8BFA-C52BE851675D}"/>
+              </a:ext>
+            </a:extLst>
+          </p:cNvPr>
+          <p:cNvPicPr>
+            <a:picLocks noChangeAspect="1"/>
+          </p:cNvPicPr>
+          <p:nvPr/>
+        </p:nvPicPr>
+        <p:blipFill rotWithShape="1">
+          <a:blip r:embed="rId3"/>
+          <a:srcRect t="15630" r="2" b="12071"/>
+          <a:stretch/>
+        </p:blipFill>
+        <p:spPr>
+          <a:xfrm>
+            <a:off x="20" y="1"/>
+            <a:ext cx="4635988" cy="3429000"/>
+          </a:xfrm>
+          <a:prstGeom prst="rect">
+            <a:avLst/>
+          </a:prstGeom>
+        </p:spPr>
+      </p:pic>
+      <p:pic>
+        <p:nvPicPr>
+          <p:cNvPr id="5" name="Picture 4" descr="Text&#10;&#10;Description automatically generated">
+            <a:extLst>
+              <a:ext uri="{FF2B5EF4-FFF2-40B4-BE49-F238E27FC236}">
+                <a16:creationId xmlns:a16="http://schemas.microsoft.com/office/drawing/2014/main" id="{9CB01CC6-C085-CA48-9521-1B25C3935AE2}"/>
+              </a:ext>
+            </a:extLst>
+          </p:cNvPr>
+          <p:cNvPicPr>
+            <a:picLocks noChangeAspect="1"/>
+          </p:cNvPicPr>
+          <p:nvPr/>
+        </p:nvPicPr>
+        <p:blipFill rotWithShape="1">
+          <a:blip r:embed="rId4"/>
+          <a:srcRect t="14868" r="-2" b="17989"/>
+          <a:stretch/>
+        </p:blipFill>
+        <p:spPr>
+          <a:xfrm>
+            <a:off x="20" y="3429001"/>
+            <a:ext cx="4635988" cy="3429974"/>
+          </a:xfrm>
+          <a:prstGeom prst="rect">
+            <a:avLst/>
+          </a:prstGeom>
+        </p:spPr>
+      </p:pic>
+      <p:cxnSp>
+        <p:nvCxnSpPr>
+          <p:cNvPr id="12" name="Straight Connector 11">
+            <a:extLst>
+              <a:ext uri="{FF2B5EF4-FFF2-40B4-BE49-F238E27FC236}">
+                <a16:creationId xmlns:a16="http://schemas.microsoft.com/office/drawing/2014/main" id="{B4E57998-7D20-4BE8-9019-4A4122CE3E2B}"/>
+              </a:ext>
+              <a:ext uri="{C183D7F6-B498-43B3-948B-1728B52AA6E4}">
+                <adec:decorative xmlns:adec="http://schemas.microsoft.com/office/drawing/2017/decorative" val="1"/>
+              </a:ext>
+            </a:extLst>
+          </p:cNvPr>
+          <p:cNvCxnSpPr>
+            <a:cxnSpLocks noGrp="1" noRot="1" noChangeAspect="1" noMove="1" noResize="1" noEditPoints="1" noAdjustHandles="1" noChangeArrowheads="1" noChangeShapeType="1"/>
+          </p:cNvCxnSpPr>
+          <p:nvPr>
+            <p:extLst>
+              <p:ext uri="{386F3935-93C4-4BCD-93E2-E3B085C9AB24}">
+                <p16:designElem xmlns:p16="http://schemas.microsoft.com/office/powerpoint/2015/main" val="1"/>
+              </p:ext>
+            </p:extLst>
+          </p:nvPr>
+        </p:nvCxnSpPr>
+        <p:spPr>
+          <a:xfrm>
+            <a:off x="-1590" y="3429000"/>
+            <a:ext cx="4637598" cy="0"/>
+          </a:xfrm>
+          <a:prstGeom prst="line">
+            <a:avLst/>
+          </a:prstGeom>
+          <a:noFill/>
+          <a:ln w="50800" cap="sq" cmpd="dbl">
+            <a:gradFill flip="none" rotWithShape="1">
+              <a:gsLst>
+                <a:gs pos="0">
+                  <a:srgbClr val="FFFFFF"/>
+                </a:gs>
+                <a:gs pos="100000">
+                  <a:schemeClr val="tx1">
+                    <a:alpha val="0"/>
+                  </a:schemeClr>
+                </a:gs>
+              </a:gsLst>
+              <a:path path="circle">
+                <a:fillToRect l="50000" t="50000" r="50000" b="50000"/>
+              </a:path>
+              <a:tileRect/>
+            </a:gradFill>
+            <a:miter lim="800000"/>
+          </a:ln>
+          <a:effectLst>
+            <a:outerShdw blurRad="254000" algn="tl" rotWithShape="0">
+              <a:srgbClr val="000000">
+                <a:alpha val="43000"/>
+              </a:srgbClr>
+            </a:outerShdw>
+          </a:effectLst>
+        </p:spPr>
+        <p:style>
+          <a:lnRef idx="2">
+            <a:schemeClr val="accent1">
+              <a:shade val="50000"/>
+            </a:schemeClr>
+          </a:lnRef>
+          <a:fillRef idx="1">
+            <a:schemeClr val="accent1"/>
+          </a:fillRef>
+          <a:effectRef idx="0">
+            <a:schemeClr val="accent1"/>
+          </a:effectRef>
+          <a:fontRef idx="minor">
+            <a:schemeClr val="lt1"/>
+          </a:fontRef>
+        </p:style>
+      </p:cxnSp>
       <p:sp>
         <p:nvSpPr>
           <p:cNvPr id="3" name="Content Placeholder 2">
             <a:extLst>
               <a:ext uri="{FF2B5EF4-FFF2-40B4-BE49-F238E27FC236}">
-                <a16:creationId xmlns:a16="http://schemas.microsoft.com/office/drawing/2014/main" id="{93DBAB44-569A-6C4D-BD21-693EC535872D}"/>
+                <a16:creationId xmlns:a16="http://schemas.microsoft.com/office/drawing/2014/main" id="{5E8EBED5-0080-7D4B-AD78-E28983DE4046}"/>
               </a:ext>
             </a:extLst>
           </p:cNvPr>
@@ -6996,64 +7914,135 @@
             <p:ph idx="1"/>
           </p:nvPr>
         </p:nvSpPr>
-        <p:spPr/>
-        <p:txBody>
-          <a:bodyPr/>
+        <p:spPr>
+          <a:xfrm>
+            <a:off x="5266892" y="2142067"/>
+            <a:ext cx="5550334" cy="3649133"/>
+          </a:xfrm>
+        </p:spPr>
+        <p:txBody>
+          <a:bodyPr>
+            <a:normAutofit/>
+          </a:bodyPr>
           <a:lstStyle/>
           <a:p>
             <a:r>
               <a:rPr lang="en-US" dirty="0"/>
-              <a:t>What in tarnation is an array?</a:t>
-            </a:r>
-          </a:p>
-          <a:p>
-            <a:r>
-              <a:rPr lang="en-US" dirty="0"/>
-              <a:t>Why do we need it?</a:t>
-            </a:r>
-          </a:p>
-          <a:p>
-            <a:r>
-              <a:rPr lang="en-US" dirty="0"/>
-              <a:t>Declaring an array</a:t>
-            </a:r>
-          </a:p>
-          <a:p>
-            <a:r>
-              <a:rPr lang="en-US" dirty="0"/>
-              <a:t>Initializing an array</a:t>
-            </a:r>
-          </a:p>
-          <a:p>
-            <a:r>
-              <a:rPr lang="en-US" dirty="0"/>
-              <a:t>Accessing elements of an array</a:t>
-            </a:r>
-          </a:p>
-          <a:p>
-            <a:r>
-              <a:rPr lang="en-US" dirty="0"/>
-              <a:t>Modifying elements of array</a:t>
-            </a:r>
-          </a:p>
-          <a:p>
-            <a:r>
-              <a:rPr lang="en-US" dirty="0"/>
-              <a:t>What is out of bounds?</a:t>
-            </a:r>
-          </a:p>
-          <a:p>
-            <a:r>
-              <a:rPr lang="en-US" dirty="0"/>
-              <a:t>Multidimensional arrays</a:t>
-            </a:r>
-          </a:p>
-        </p:txBody>
-      </p:sp>
+              <a:t>To update an element, you must know the index</a:t>
+            </a:r>
+          </a:p>
+          <a:p>
+            <a:r>
+              <a:rPr lang="en-US" dirty="0"/>
+              <a:t>Access that element and then set it to the new value</a:t>
+            </a:r>
+          </a:p>
+          <a:p>
+            <a:r>
+              <a:rPr lang="en-US" dirty="0"/>
+              <a:t>That’s all</a:t>
+            </a:r>
+          </a:p>
+          <a:p>
+            <a:r>
+              <a:rPr lang="en-US" dirty="0"/>
+              <a:t>Super simple</a:t>
+            </a:r>
+          </a:p>
+          <a:p>
+            <a:endParaRPr lang="en-US" dirty="0"/>
+          </a:p>
+          <a:p>
+            <a:r>
+              <a:rPr lang="en-US" dirty="0"/>
+              <a:t>It get’s a little different if you want to update multiple values</a:t>
+            </a:r>
+          </a:p>
+          <a:p>
+            <a:endParaRPr lang="en-US" dirty="0"/>
+          </a:p>
+        </p:txBody>
+      </p:sp>
+      <p:cxnSp>
+        <p:nvCxnSpPr>
+          <p:cNvPr id="14" name="Straight Connector 13">
+            <a:extLst>
+              <a:ext uri="{FF2B5EF4-FFF2-40B4-BE49-F238E27FC236}">
+                <a16:creationId xmlns:a16="http://schemas.microsoft.com/office/drawing/2014/main" id="{1EC01BF1-FEAA-4AF6-96A5-24556C1F6BCD}"/>
+              </a:ext>
+              <a:ext uri="{C183D7F6-B498-43B3-948B-1728B52AA6E4}">
+                <adec:decorative xmlns:adec="http://schemas.microsoft.com/office/drawing/2017/decorative" val="1"/>
+              </a:ext>
+            </a:extLst>
+          </p:cNvPr>
+          <p:cNvCxnSpPr>
+            <a:cxnSpLocks noGrp="1" noRot="1" noChangeAspect="1" noMove="1" noResize="1" noEditPoints="1" noAdjustHandles="1" noChangeArrowheads="1" noChangeShapeType="1"/>
+          </p:cNvCxnSpPr>
+          <p:nvPr>
+            <p:extLst>
+              <p:ext uri="{386F3935-93C4-4BCD-93E2-E3B085C9AB24}">
+                <p16:designElem xmlns:p16="http://schemas.microsoft.com/office/powerpoint/2015/main" val="1"/>
+              </p:ext>
+            </p:extLst>
+          </p:nvPr>
+        </p:nvCxnSpPr>
+        <p:spPr>
+          <a:xfrm>
+            <a:off x="4642096" y="0"/>
+            <a:ext cx="680" cy="6858000"/>
+          </a:xfrm>
+          <a:prstGeom prst="line">
+            <a:avLst/>
+          </a:prstGeom>
+          <a:noFill/>
+          <a:ln w="50800" cap="sq" cmpd="dbl">
+            <a:gradFill flip="none" rotWithShape="1">
+              <a:gsLst>
+                <a:gs pos="0">
+                  <a:srgbClr val="FFFFFF"/>
+                </a:gs>
+                <a:gs pos="100000">
+                  <a:schemeClr val="tx1">
+                    <a:alpha val="0"/>
+                  </a:schemeClr>
+                </a:gs>
+              </a:gsLst>
+              <a:path path="circle">
+                <a:fillToRect l="50000" t="50000" r="50000" b="50000"/>
+              </a:path>
+              <a:tileRect/>
+            </a:gradFill>
+            <a:miter lim="800000"/>
+          </a:ln>
+          <a:effectLst>
+            <a:outerShdw blurRad="254000" algn="tl" rotWithShape="0">
+              <a:srgbClr val="000000">
+                <a:alpha val="43000"/>
+              </a:srgbClr>
+            </a:outerShdw>
+          </a:effectLst>
+        </p:spPr>
+        <p:style>
+          <a:lnRef idx="2">
+            <a:schemeClr val="accent1">
+              <a:shade val="50000"/>
+            </a:schemeClr>
+          </a:lnRef>
+          <a:fillRef idx="1">
+            <a:schemeClr val="accent1"/>
+          </a:fillRef>
+          <a:effectRef idx="0">
+            <a:schemeClr val="accent1"/>
+          </a:effectRef>
+          <a:fontRef idx="minor">
+            <a:schemeClr val="lt1"/>
+          </a:fontRef>
+        </p:style>
+      </p:cxnSp>
     </p:spTree>
     <p:extLst>
       <p:ext uri="{BB962C8B-B14F-4D97-AF65-F5344CB8AC3E}">
-        <p14:creationId xmlns:p14="http://schemas.microsoft.com/office/powerpoint/2010/main" val="3639911880"/>
+        <p14:creationId xmlns:p14="http://schemas.microsoft.com/office/powerpoint/2010/main" val="3108137180"/>
       </p:ext>
     </p:extLst>
   </p:cSld>
@@ -7085,6 +8074,847 @@
           <p:cNvPr id="2" name="Title 1">
             <a:extLst>
               <a:ext uri="{FF2B5EF4-FFF2-40B4-BE49-F238E27FC236}">
+                <a16:creationId xmlns:a16="http://schemas.microsoft.com/office/drawing/2014/main" id="{A9E0A9B7-51DB-7247-969C-90533EAECF52}"/>
+              </a:ext>
+            </a:extLst>
+          </p:cNvPr>
+          <p:cNvSpPr>
+            <a:spLocks noGrp="1"/>
+          </p:cNvSpPr>
+          <p:nvPr>
+            <p:ph type="title"/>
+          </p:nvPr>
+        </p:nvSpPr>
+        <p:spPr/>
+        <p:txBody>
+          <a:bodyPr/>
+          <a:lstStyle/>
+          <a:p>
+            <a:r>
+              <a:rPr lang="en-US" dirty="0">
+                <a:highlight>
+                  <a:srgbClr val="008080"/>
+                </a:highlight>
+              </a:rPr>
+              <a:t>Exercise</a:t>
+            </a:r>
+          </a:p>
+        </p:txBody>
+      </p:sp>
+      <p:sp>
+        <p:nvSpPr>
+          <p:cNvPr id="3" name="Content Placeholder 2">
+            <a:extLst>
+              <a:ext uri="{FF2B5EF4-FFF2-40B4-BE49-F238E27FC236}">
+                <a16:creationId xmlns:a16="http://schemas.microsoft.com/office/drawing/2014/main" id="{B7868BC8-F50D-464B-ABC7-3553FD919C7C}"/>
+              </a:ext>
+            </a:extLst>
+          </p:cNvPr>
+          <p:cNvSpPr>
+            <a:spLocks noGrp="1"/>
+          </p:cNvSpPr>
+          <p:nvPr>
+            <p:ph idx="1"/>
+          </p:nvPr>
+        </p:nvSpPr>
+        <p:spPr>
+          <a:xfrm>
+            <a:off x="685800" y="1584961"/>
+            <a:ext cx="10131425" cy="4462272"/>
+          </a:xfrm>
+        </p:spPr>
+        <p:txBody>
+          <a:bodyPr>
+            <a:normAutofit/>
+          </a:bodyPr>
+          <a:lstStyle/>
+          <a:p>
+            <a:r>
+              <a:rPr lang="en-US" dirty="0"/>
+              <a:t>Find </a:t>
+            </a:r>
+            <a:r>
+              <a:rPr lang="en-US" u="sng" dirty="0" err="1"/>
+              <a:t>AccessingArrays</a:t>
+            </a:r>
+            <a:r>
+              <a:rPr lang="en-US" u="sng" dirty="0"/>
+              <a:t>-Exercise-</a:t>
+            </a:r>
+            <a:r>
+              <a:rPr lang="en-US" u="sng" dirty="0" err="1"/>
+              <a:t>c.c</a:t>
+            </a:r>
+            <a:r>
+              <a:rPr lang="en-US" u="sng" dirty="0"/>
+              <a:t> </a:t>
+            </a:r>
+            <a:r>
+              <a:rPr lang="en-US" dirty="0"/>
+              <a:t>in the Exercise folder for Section6-Arrays</a:t>
+            </a:r>
+          </a:p>
+          <a:p>
+            <a:r>
+              <a:rPr lang="en-US" dirty="0"/>
+              <a:t>Without touching the array initialization, turn off all the lights in the house (in other words turn the 1s to 0s) </a:t>
+            </a:r>
+          </a:p>
+          <a:p>
+            <a:pPr lvl="1"/>
+            <a:r>
+              <a:rPr lang="en-US" dirty="0"/>
+              <a:t>0</a:t>
+            </a:r>
+          </a:p>
+          <a:p>
+            <a:r>
+              <a:rPr lang="en-US" dirty="0"/>
+              <a:t>Instructions on are the script</a:t>
+            </a:r>
+          </a:p>
+        </p:txBody>
+      </p:sp>
+    </p:spTree>
+    <p:extLst>
+      <p:ext uri="{BB962C8B-B14F-4D97-AF65-F5344CB8AC3E}">
+        <p14:creationId xmlns:p14="http://schemas.microsoft.com/office/powerpoint/2010/main" val="1254013268"/>
+      </p:ext>
+    </p:extLst>
+  </p:cSld>
+  <p:clrMapOvr>
+    <a:masterClrMapping/>
+  </p:clrMapOvr>
+</p:sld>
+</file>
+
+<file path=ppt/slides/slide14.xml><?xml version="1.0" encoding="utf-8"?>
+<p:sld xmlns:a="http://schemas.openxmlformats.org/drawingml/2006/main" xmlns:r="http://schemas.openxmlformats.org/officeDocument/2006/relationships" xmlns:p="http://schemas.openxmlformats.org/presentationml/2006/main">
+  <p:cSld>
+    <p:bg>
+      <p:bgPr>
+        <a:blipFill>
+          <a:blip r:embed="rId3"/>
+          <a:stretch/>
+        </a:blipFill>
+        <a:effectLst/>
+      </p:bgPr>
+    </p:bg>
+    <p:spTree>
+      <p:nvGrpSpPr>
+        <p:cNvPr id="1" name=""/>
+        <p:cNvGrpSpPr/>
+        <p:nvPr/>
+      </p:nvGrpSpPr>
+      <p:grpSpPr>
+        <a:xfrm>
+          <a:off x="0" y="0"/>
+          <a:ext cx="0" cy="0"/>
+          <a:chOff x="0" y="0"/>
+          <a:chExt cx="0" cy="0"/>
+        </a:xfrm>
+      </p:grpSpPr>
+      <p:sp>
+        <p:nvSpPr>
+          <p:cNvPr id="2" name="Title 1">
+            <a:extLst>
+              <a:ext uri="{FF2B5EF4-FFF2-40B4-BE49-F238E27FC236}">
+                <a16:creationId xmlns:a16="http://schemas.microsoft.com/office/drawing/2014/main" id="{AE4A031E-DA6A-4642-815C-A8A64CF3C8C2}"/>
+              </a:ext>
+            </a:extLst>
+          </p:cNvPr>
+          <p:cNvSpPr>
+            <a:spLocks noGrp="1"/>
+          </p:cNvSpPr>
+          <p:nvPr>
+            <p:ph type="title"/>
+          </p:nvPr>
+        </p:nvSpPr>
+        <p:spPr>
+          <a:xfrm>
+            <a:off x="1327255" y="1030288"/>
+            <a:ext cx="4099947" cy="1035579"/>
+          </a:xfrm>
+        </p:spPr>
+        <p:txBody>
+          <a:bodyPr>
+            <a:normAutofit/>
+          </a:bodyPr>
+          <a:lstStyle/>
+          <a:p>
+            <a:pPr>
+              <a:lnSpc>
+                <a:spcPct val="90000"/>
+              </a:lnSpc>
+            </a:pPr>
+            <a:r>
+              <a:rPr lang="en-US" sz="3300"/>
+              <a:t>Inserting elements in an Array</a:t>
+            </a:r>
+          </a:p>
+        </p:txBody>
+      </p:sp>
+      <p:sp>
+        <p:nvSpPr>
+          <p:cNvPr id="3" name="Content Placeholder 2">
+            <a:extLst>
+              <a:ext uri="{FF2B5EF4-FFF2-40B4-BE49-F238E27FC236}">
+                <a16:creationId xmlns:a16="http://schemas.microsoft.com/office/drawing/2014/main" id="{41111A73-3CDC-8F49-9EC3-1A795F32862E}"/>
+              </a:ext>
+            </a:extLst>
+          </p:cNvPr>
+          <p:cNvSpPr>
+            <a:spLocks noGrp="1"/>
+          </p:cNvSpPr>
+          <p:nvPr>
+            <p:ph idx="1"/>
+          </p:nvPr>
+        </p:nvSpPr>
+        <p:spPr>
+          <a:xfrm>
+            <a:off x="1327255" y="2142067"/>
+            <a:ext cx="4099947" cy="3649133"/>
+          </a:xfrm>
+        </p:spPr>
+        <p:txBody>
+          <a:bodyPr>
+            <a:normAutofit/>
+          </a:bodyPr>
+          <a:lstStyle/>
+          <a:p>
+            <a:pPr>
+              <a:lnSpc>
+                <a:spcPct val="90000"/>
+              </a:lnSpc>
+            </a:pPr>
+            <a:r>
+              <a:rPr lang="en-US" dirty="0"/>
+              <a:t>Not as easy as updating elements</a:t>
+            </a:r>
+          </a:p>
+          <a:p>
+            <a:pPr>
+              <a:lnSpc>
+                <a:spcPct val="90000"/>
+              </a:lnSpc>
+            </a:pPr>
+            <a:r>
+              <a:rPr lang="en-US" dirty="0"/>
+              <a:t>Inserting requires</a:t>
+            </a:r>
+          </a:p>
+          <a:p>
+            <a:pPr lvl="1">
+              <a:lnSpc>
+                <a:spcPct val="90000"/>
+              </a:lnSpc>
+            </a:pPr>
+            <a:r>
+              <a:rPr lang="en-US" dirty="0"/>
+              <a:t>All elements to the right of the insertion position will be shifted to the right by one</a:t>
+            </a:r>
+          </a:p>
+          <a:p>
+            <a:pPr lvl="1">
+              <a:lnSpc>
+                <a:spcPct val="90000"/>
+              </a:lnSpc>
+            </a:pPr>
+            <a:r>
+              <a:rPr lang="en-US" dirty="0"/>
+              <a:t>You may need another array in the process</a:t>
+            </a:r>
+          </a:p>
+          <a:p>
+            <a:pPr>
+              <a:lnSpc>
+                <a:spcPct val="90000"/>
+              </a:lnSpc>
+            </a:pPr>
+            <a:r>
+              <a:rPr lang="en-US" dirty="0"/>
+              <a:t>Process consists of starting at the end and moving every element to the right by 1 all while moving inwards. Eventually the position requested will be open to just set it.</a:t>
+            </a:r>
+          </a:p>
+          <a:p>
+            <a:pPr>
+              <a:lnSpc>
+                <a:spcPct val="90000"/>
+              </a:lnSpc>
+            </a:pPr>
+            <a:endParaRPr lang="en-US" dirty="0"/>
+          </a:p>
+        </p:txBody>
+      </p:sp>
+      <p:pic>
+        <p:nvPicPr>
+          <p:cNvPr id="7" name="Picture 6" descr="Text&#10;&#10;Description automatically generated">
+            <a:extLst>
+              <a:ext uri="{FF2B5EF4-FFF2-40B4-BE49-F238E27FC236}">
+                <a16:creationId xmlns:a16="http://schemas.microsoft.com/office/drawing/2014/main" id="{DE7AA377-F22A-624C-9995-BF54CB56DAD3}"/>
+              </a:ext>
+            </a:extLst>
+          </p:cNvPr>
+          <p:cNvPicPr>
+            <a:picLocks noChangeAspect="1"/>
+          </p:cNvPicPr>
+          <p:nvPr/>
+        </p:nvPicPr>
+        <p:blipFill>
+          <a:blip r:embed="rId4"/>
+          <a:stretch>
+            <a:fillRect/>
+          </a:stretch>
+        </p:blipFill>
+        <p:spPr>
+          <a:xfrm>
+            <a:off x="7058842" y="639098"/>
+            <a:ext cx="3451825" cy="2692424"/>
+          </a:xfrm>
+          <a:prstGeom prst="roundRect">
+            <a:avLst>
+              <a:gd name="adj" fmla="val 6267"/>
+            </a:avLst>
+          </a:prstGeom>
+          <a:ln w="50800" cap="sq" cmpd="dbl">
+            <a:gradFill flip="none" rotWithShape="1">
+              <a:gsLst>
+                <a:gs pos="0">
+                  <a:srgbClr val="FFFFFF"/>
+                </a:gs>
+                <a:gs pos="100000">
+                  <a:schemeClr val="tx1">
+                    <a:alpha val="0"/>
+                  </a:schemeClr>
+                </a:gs>
+              </a:gsLst>
+              <a:path path="circle">
+                <a:fillToRect l="50000" t="50000" r="50000" b="50000"/>
+              </a:path>
+              <a:tileRect/>
+            </a:gradFill>
+            <a:miter lim="800000"/>
+          </a:ln>
+          <a:effectLst>
+            <a:outerShdw blurRad="254000" algn="tl" rotWithShape="0">
+              <a:srgbClr val="000000">
+                <a:alpha val="43000"/>
+              </a:srgbClr>
+            </a:outerShdw>
+          </a:effectLst>
+        </p:spPr>
+      </p:pic>
+      <p:pic>
+        <p:nvPicPr>
+          <p:cNvPr id="5" name="Picture 4" descr="A picture containing chart&#10;&#10;Description automatically generated">
+            <a:extLst>
+              <a:ext uri="{FF2B5EF4-FFF2-40B4-BE49-F238E27FC236}">
+                <a16:creationId xmlns:a16="http://schemas.microsoft.com/office/drawing/2014/main" id="{D157A1A9-AE1C-8441-BFF1-DE40B74D90EB}"/>
+              </a:ext>
+            </a:extLst>
+          </p:cNvPr>
+          <p:cNvPicPr>
+            <a:picLocks noChangeAspect="1"/>
+          </p:cNvPicPr>
+          <p:nvPr/>
+        </p:nvPicPr>
+        <p:blipFill>
+          <a:blip r:embed="rId5"/>
+          <a:stretch>
+            <a:fillRect/>
+          </a:stretch>
+        </p:blipFill>
+        <p:spPr>
+          <a:xfrm>
+            <a:off x="6522214" y="3522111"/>
+            <a:ext cx="4525082" cy="2692424"/>
+          </a:xfrm>
+          <a:prstGeom prst="roundRect">
+            <a:avLst>
+              <a:gd name="adj" fmla="val 6267"/>
+            </a:avLst>
+          </a:prstGeom>
+          <a:ln w="50800" cap="sq" cmpd="dbl">
+            <a:gradFill flip="none" rotWithShape="1">
+              <a:gsLst>
+                <a:gs pos="0">
+                  <a:srgbClr val="FFFFFF"/>
+                </a:gs>
+                <a:gs pos="100000">
+                  <a:schemeClr val="tx1">
+                    <a:alpha val="0"/>
+                  </a:schemeClr>
+                </a:gs>
+              </a:gsLst>
+              <a:path path="circle">
+                <a:fillToRect l="50000" t="50000" r="50000" b="50000"/>
+              </a:path>
+              <a:tileRect/>
+            </a:gradFill>
+            <a:miter lim="800000"/>
+          </a:ln>
+          <a:effectLst>
+            <a:outerShdw blurRad="254000" algn="tl" rotWithShape="0">
+              <a:srgbClr val="000000">
+                <a:alpha val="43000"/>
+              </a:srgbClr>
+            </a:outerShdw>
+          </a:effectLst>
+        </p:spPr>
+      </p:pic>
+    </p:spTree>
+    <p:extLst>
+      <p:ext uri="{BB962C8B-B14F-4D97-AF65-F5344CB8AC3E}">
+        <p14:creationId xmlns:p14="http://schemas.microsoft.com/office/powerpoint/2010/main" val="212910682"/>
+      </p:ext>
+    </p:extLst>
+  </p:cSld>
+  <p:clrMapOvr>
+    <a:masterClrMapping/>
+  </p:clrMapOvr>
+</p:sld>
+</file>
+
+<file path=ppt/slides/slide15.xml><?xml version="1.0" encoding="utf-8"?>
+<p:sld xmlns:a="http://schemas.openxmlformats.org/drawingml/2006/main" xmlns:r="http://schemas.openxmlformats.org/officeDocument/2006/relationships" xmlns:p="http://schemas.openxmlformats.org/presentationml/2006/main">
+  <p:cSld>
+    <p:bg>
+      <p:bgPr>
+        <a:blipFill>
+          <a:blip r:embed="rId3"/>
+          <a:stretch/>
+        </a:blipFill>
+        <a:effectLst/>
+      </p:bgPr>
+    </p:bg>
+    <p:spTree>
+      <p:nvGrpSpPr>
+        <p:cNvPr id="1" name=""/>
+        <p:cNvGrpSpPr/>
+        <p:nvPr/>
+      </p:nvGrpSpPr>
+      <p:grpSpPr>
+        <a:xfrm>
+          <a:off x="0" y="0"/>
+          <a:ext cx="0" cy="0"/>
+          <a:chOff x="0" y="0"/>
+          <a:chExt cx="0" cy="0"/>
+        </a:xfrm>
+      </p:grpSpPr>
+      <p:sp>
+        <p:nvSpPr>
+          <p:cNvPr id="2" name="Title 1">
+            <a:extLst>
+              <a:ext uri="{FF2B5EF4-FFF2-40B4-BE49-F238E27FC236}">
+                <a16:creationId xmlns:a16="http://schemas.microsoft.com/office/drawing/2014/main" id="{9FF85189-FCCC-754A-B9BB-C1D48DB1D186}"/>
+              </a:ext>
+            </a:extLst>
+          </p:cNvPr>
+          <p:cNvSpPr>
+            <a:spLocks noGrp="1"/>
+          </p:cNvSpPr>
+          <p:nvPr>
+            <p:ph type="title"/>
+          </p:nvPr>
+        </p:nvSpPr>
+        <p:spPr>
+          <a:xfrm>
+            <a:off x="1327255" y="1030288"/>
+            <a:ext cx="4099947" cy="1035579"/>
+          </a:xfrm>
+        </p:spPr>
+        <p:txBody>
+          <a:bodyPr>
+            <a:normAutofit/>
+          </a:bodyPr>
+          <a:lstStyle/>
+          <a:p>
+            <a:pPr>
+              <a:lnSpc>
+                <a:spcPct val="90000"/>
+              </a:lnSpc>
+            </a:pPr>
+            <a:r>
+              <a:rPr lang="en-US" sz="3100"/>
+              <a:t>Deleting an elements in an array</a:t>
+            </a:r>
+          </a:p>
+        </p:txBody>
+      </p:sp>
+      <p:sp>
+        <p:nvSpPr>
+          <p:cNvPr id="3" name="Content Placeholder 2">
+            <a:extLst>
+              <a:ext uri="{FF2B5EF4-FFF2-40B4-BE49-F238E27FC236}">
+                <a16:creationId xmlns:a16="http://schemas.microsoft.com/office/drawing/2014/main" id="{C1190AFD-EA28-1D4F-9905-146CDD27EE4C}"/>
+              </a:ext>
+            </a:extLst>
+          </p:cNvPr>
+          <p:cNvSpPr>
+            <a:spLocks noGrp="1"/>
+          </p:cNvSpPr>
+          <p:nvPr>
+            <p:ph idx="1"/>
+          </p:nvPr>
+        </p:nvSpPr>
+        <p:spPr>
+          <a:xfrm>
+            <a:off x="1327255" y="2142067"/>
+            <a:ext cx="4099947" cy="3649133"/>
+          </a:xfrm>
+        </p:spPr>
+        <p:txBody>
+          <a:bodyPr>
+            <a:normAutofit/>
+          </a:bodyPr>
+          <a:lstStyle/>
+          <a:p>
+            <a:pPr>
+              <a:lnSpc>
+                <a:spcPct val="90000"/>
+              </a:lnSpc>
+            </a:pPr>
+            <a:r>
+              <a:rPr lang="en-US" dirty="0"/>
+              <a:t>Also, not as easy as updating</a:t>
+            </a:r>
+            <a:endParaRPr lang="en-US"/>
+          </a:p>
+          <a:p>
+            <a:pPr>
+              <a:lnSpc>
+                <a:spcPct val="90000"/>
+              </a:lnSpc>
+            </a:pPr>
+            <a:r>
+              <a:rPr lang="en-US" dirty="0"/>
+              <a:t>Deleting requires</a:t>
+            </a:r>
+            <a:endParaRPr lang="en-US"/>
+          </a:p>
+          <a:p>
+            <a:pPr lvl="1">
+              <a:lnSpc>
+                <a:spcPct val="90000"/>
+              </a:lnSpc>
+            </a:pPr>
+            <a:r>
+              <a:rPr lang="en-US" dirty="0"/>
+              <a:t>All elements to the right of the  deletion position will be shifted to the left by one</a:t>
+            </a:r>
+            <a:endParaRPr lang="en-US"/>
+          </a:p>
+          <a:p>
+            <a:pPr lvl="1">
+              <a:lnSpc>
+                <a:spcPct val="90000"/>
+              </a:lnSpc>
+            </a:pPr>
+            <a:r>
+              <a:rPr lang="en-US" dirty="0"/>
+              <a:t>Probably doesn’t require another array as you won’t be going “out of bounds”</a:t>
+            </a:r>
+            <a:endParaRPr lang="en-US"/>
+          </a:p>
+          <a:p>
+            <a:pPr>
+              <a:lnSpc>
+                <a:spcPct val="90000"/>
+              </a:lnSpc>
+            </a:pPr>
+            <a:r>
+              <a:rPr lang="en-US" dirty="0"/>
+              <a:t>Process consists of going to that deleting position and just overwriting it with the elements to the right of it (shifting left)</a:t>
+            </a:r>
+            <a:endParaRPr lang="en-US"/>
+          </a:p>
+        </p:txBody>
+      </p:sp>
+      <p:pic>
+        <p:nvPicPr>
+          <p:cNvPr id="9" name="Picture 8" descr="Text&#10;&#10;Description automatically generated">
+            <a:extLst>
+              <a:ext uri="{FF2B5EF4-FFF2-40B4-BE49-F238E27FC236}">
+                <a16:creationId xmlns:a16="http://schemas.microsoft.com/office/drawing/2014/main" id="{5ECF6C74-D783-1948-99CD-8707D09AA631}"/>
+              </a:ext>
+            </a:extLst>
+          </p:cNvPr>
+          <p:cNvPicPr>
+            <a:picLocks noChangeAspect="1"/>
+          </p:cNvPicPr>
+          <p:nvPr/>
+        </p:nvPicPr>
+        <p:blipFill>
+          <a:blip r:embed="rId4"/>
+          <a:stretch>
+            <a:fillRect/>
+          </a:stretch>
+        </p:blipFill>
+        <p:spPr>
+          <a:xfrm>
+            <a:off x="6760376" y="639098"/>
+            <a:ext cx="4048757" cy="2692424"/>
+          </a:xfrm>
+          <a:prstGeom prst="roundRect">
+            <a:avLst>
+              <a:gd name="adj" fmla="val 6267"/>
+            </a:avLst>
+          </a:prstGeom>
+          <a:ln w="50800" cap="sq" cmpd="dbl">
+            <a:gradFill flip="none" rotWithShape="1">
+              <a:gsLst>
+                <a:gs pos="0">
+                  <a:srgbClr val="FFFFFF"/>
+                </a:gs>
+                <a:gs pos="100000">
+                  <a:schemeClr val="tx1">
+                    <a:alpha val="0"/>
+                  </a:schemeClr>
+                </a:gs>
+              </a:gsLst>
+              <a:path path="circle">
+                <a:fillToRect l="50000" t="50000" r="50000" b="50000"/>
+              </a:path>
+              <a:tileRect/>
+            </a:gradFill>
+            <a:miter lim="800000"/>
+          </a:ln>
+          <a:effectLst>
+            <a:outerShdw blurRad="254000" algn="tl" rotWithShape="0">
+              <a:srgbClr val="000000">
+                <a:alpha val="43000"/>
+              </a:srgbClr>
+            </a:outerShdw>
+          </a:effectLst>
+        </p:spPr>
+      </p:pic>
+      <p:pic>
+        <p:nvPicPr>
+          <p:cNvPr id="5" name="Picture 4" descr="A picture containing text, green&#10;&#10;Description automatically generated">
+            <a:extLst>
+              <a:ext uri="{FF2B5EF4-FFF2-40B4-BE49-F238E27FC236}">
+                <a16:creationId xmlns:a16="http://schemas.microsoft.com/office/drawing/2014/main" id="{74A98F7C-E057-454F-B13C-F55412673F33}"/>
+              </a:ext>
+            </a:extLst>
+          </p:cNvPr>
+          <p:cNvPicPr>
+            <a:picLocks noChangeAspect="1"/>
+          </p:cNvPicPr>
+          <p:nvPr/>
+        </p:nvPicPr>
+        <p:blipFill>
+          <a:blip r:embed="rId5"/>
+          <a:stretch>
+            <a:fillRect/>
+          </a:stretch>
+        </p:blipFill>
+        <p:spPr>
+          <a:xfrm>
+            <a:off x="6220542" y="3522111"/>
+            <a:ext cx="5128425" cy="2692424"/>
+          </a:xfrm>
+          <a:prstGeom prst="roundRect">
+            <a:avLst>
+              <a:gd name="adj" fmla="val 6267"/>
+            </a:avLst>
+          </a:prstGeom>
+          <a:ln w="50800" cap="sq" cmpd="dbl">
+            <a:gradFill flip="none" rotWithShape="1">
+              <a:gsLst>
+                <a:gs pos="0">
+                  <a:srgbClr val="FFFFFF"/>
+                </a:gs>
+                <a:gs pos="100000">
+                  <a:schemeClr val="tx1">
+                    <a:alpha val="0"/>
+                  </a:schemeClr>
+                </a:gs>
+              </a:gsLst>
+              <a:path path="circle">
+                <a:fillToRect l="50000" t="50000" r="50000" b="50000"/>
+              </a:path>
+              <a:tileRect/>
+            </a:gradFill>
+            <a:miter lim="800000"/>
+          </a:ln>
+          <a:effectLst>
+            <a:outerShdw blurRad="254000" algn="tl" rotWithShape="0">
+              <a:srgbClr val="000000">
+                <a:alpha val="43000"/>
+              </a:srgbClr>
+            </a:outerShdw>
+          </a:effectLst>
+        </p:spPr>
+      </p:pic>
+    </p:spTree>
+    <p:extLst>
+      <p:ext uri="{BB962C8B-B14F-4D97-AF65-F5344CB8AC3E}">
+        <p14:creationId xmlns:p14="http://schemas.microsoft.com/office/powerpoint/2010/main" val="2908093579"/>
+      </p:ext>
+    </p:extLst>
+  </p:cSld>
+  <p:clrMapOvr>
+    <a:masterClrMapping/>
+  </p:clrMapOvr>
+</p:sld>
+</file>
+
+<file path=ppt/slides/slide16.xml><?xml version="1.0" encoding="utf-8"?>
+<p:sld xmlns:a="http://schemas.openxmlformats.org/drawingml/2006/main" xmlns:r="http://schemas.openxmlformats.org/officeDocument/2006/relationships" xmlns:p="http://schemas.openxmlformats.org/presentationml/2006/main">
+  <p:cSld>
+    <p:spTree>
+      <p:nvGrpSpPr>
+        <p:cNvPr id="1" name=""/>
+        <p:cNvGrpSpPr/>
+        <p:nvPr/>
+      </p:nvGrpSpPr>
+      <p:grpSpPr>
+        <a:xfrm>
+          <a:off x="0" y="0"/>
+          <a:ext cx="0" cy="0"/>
+          <a:chOff x="0" y="0"/>
+          <a:chExt cx="0" cy="0"/>
+        </a:xfrm>
+      </p:grpSpPr>
+      <p:sp>
+        <p:nvSpPr>
+          <p:cNvPr id="2" name="Title 1">
+            <a:extLst>
+              <a:ext uri="{FF2B5EF4-FFF2-40B4-BE49-F238E27FC236}">
+                <a16:creationId xmlns:a16="http://schemas.microsoft.com/office/drawing/2014/main" id="{C7DA4FEA-5906-D145-BC36-2C5CF219C722}"/>
+              </a:ext>
+            </a:extLst>
+          </p:cNvPr>
+          <p:cNvSpPr>
+            <a:spLocks noGrp="1"/>
+          </p:cNvSpPr>
+          <p:nvPr>
+            <p:ph type="title"/>
+          </p:nvPr>
+        </p:nvSpPr>
+        <p:spPr/>
+        <p:txBody>
+          <a:bodyPr/>
+          <a:lstStyle/>
+          <a:p>
+            <a:r>
+              <a:rPr lang="en-US" dirty="0"/>
+              <a:t>Overview</a:t>
+            </a:r>
+          </a:p>
+        </p:txBody>
+      </p:sp>
+      <p:sp>
+        <p:nvSpPr>
+          <p:cNvPr id="3" name="Content Placeholder 2">
+            <a:extLst>
+              <a:ext uri="{FF2B5EF4-FFF2-40B4-BE49-F238E27FC236}">
+                <a16:creationId xmlns:a16="http://schemas.microsoft.com/office/drawing/2014/main" id="{93DBAB44-569A-6C4D-BD21-693EC535872D}"/>
+              </a:ext>
+            </a:extLst>
+          </p:cNvPr>
+          <p:cNvSpPr>
+            <a:spLocks noGrp="1"/>
+          </p:cNvSpPr>
+          <p:nvPr>
+            <p:ph idx="1"/>
+          </p:nvPr>
+        </p:nvSpPr>
+        <p:spPr/>
+        <p:txBody>
+          <a:bodyPr/>
+          <a:lstStyle/>
+          <a:p>
+            <a:r>
+              <a:rPr lang="en-US" dirty="0"/>
+              <a:t>What in tarnation is an array?</a:t>
+            </a:r>
+          </a:p>
+          <a:p>
+            <a:r>
+              <a:rPr lang="en-US" dirty="0"/>
+              <a:t>Why do we need it?</a:t>
+            </a:r>
+          </a:p>
+          <a:p>
+            <a:r>
+              <a:rPr lang="en-US" dirty="0"/>
+              <a:t>Declaring an array</a:t>
+            </a:r>
+          </a:p>
+          <a:p>
+            <a:r>
+              <a:rPr lang="en-US" dirty="0"/>
+              <a:t>Initializing an array</a:t>
+            </a:r>
+          </a:p>
+          <a:p>
+            <a:r>
+              <a:rPr lang="en-US" dirty="0"/>
+              <a:t>Accessing elements in an array</a:t>
+            </a:r>
+          </a:p>
+          <a:p>
+            <a:r>
+              <a:rPr lang="en-US" dirty="0"/>
+              <a:t>What is out of bounds?</a:t>
+            </a:r>
+          </a:p>
+          <a:p>
+            <a:r>
+              <a:rPr lang="en-US" dirty="0"/>
+              <a:t>Updating elements in an array</a:t>
+            </a:r>
+          </a:p>
+          <a:p>
+            <a:r>
+              <a:rPr lang="en-US" dirty="0"/>
+              <a:t>Inserting elements in an array</a:t>
+            </a:r>
+          </a:p>
+          <a:p>
+            <a:r>
+              <a:rPr lang="en-US" dirty="0"/>
+              <a:t>Deleting elements in an array</a:t>
+            </a:r>
+          </a:p>
+        </p:txBody>
+      </p:sp>
+    </p:spTree>
+    <p:extLst>
+      <p:ext uri="{BB962C8B-B14F-4D97-AF65-F5344CB8AC3E}">
+        <p14:creationId xmlns:p14="http://schemas.microsoft.com/office/powerpoint/2010/main" val="3816359980"/>
+      </p:ext>
+    </p:extLst>
+  </p:cSld>
+  <p:clrMapOvr>
+    <a:masterClrMapping/>
+  </p:clrMapOvr>
+</p:sld>
+</file>
+
+<file path=ppt/slides/slide17.xml><?xml version="1.0" encoding="utf-8"?>
+<p:sld xmlns:a="http://schemas.openxmlformats.org/drawingml/2006/main" xmlns:r="http://schemas.openxmlformats.org/officeDocument/2006/relationships" xmlns:p="http://schemas.openxmlformats.org/presentationml/2006/main">
+  <p:cSld>
+    <p:spTree>
+      <p:nvGrpSpPr>
+        <p:cNvPr id="1" name=""/>
+        <p:cNvGrpSpPr/>
+        <p:nvPr/>
+      </p:nvGrpSpPr>
+      <p:grpSpPr>
+        <a:xfrm>
+          <a:off x="0" y="0"/>
+          <a:ext cx="0" cy="0"/>
+          <a:chOff x="0" y="0"/>
+          <a:chExt cx="0" cy="0"/>
+        </a:xfrm>
+      </p:grpSpPr>
+      <p:sp>
+        <p:nvSpPr>
+          <p:cNvPr id="2" name="Title 1">
+            <a:extLst>
+              <a:ext uri="{FF2B5EF4-FFF2-40B4-BE49-F238E27FC236}">
                 <a16:creationId xmlns:a16="http://schemas.microsoft.com/office/drawing/2014/main" id="{85A78A2E-1182-6147-AD4D-68EB9ADCB987}"/>
               </a:ext>
             </a:extLst>
@@ -7124,7 +8954,12 @@
             <p:ph idx="1"/>
           </p:nvPr>
         </p:nvSpPr>
-        <p:spPr/>
+        <p:spPr>
+          <a:xfrm>
+            <a:off x="563881" y="2837011"/>
+            <a:ext cx="10131425" cy="3649133"/>
+          </a:xfrm>
+        </p:spPr>
         <p:txBody>
           <a:bodyPr/>
           <a:lstStyle/>
@@ -7139,25 +8974,70 @@
           </a:p>
           <a:p>
             <a:r>
-              <a:rPr lang="en-US" dirty="0"/>
-              <a:t>https://</a:t>
-            </a:r>
-            <a:r>
-              <a:rPr lang="en-US" dirty="0" err="1"/>
-              <a:t>www.programiz.com</a:t>
-            </a:r>
-            <a:r>
-              <a:rPr lang="en-US" dirty="0"/>
-              <a:t>/c-programming/c-arrays</a:t>
-            </a:r>
-          </a:p>
-          <a:p>
-            <a:r>
               <a:rPr lang="en-US" dirty="0">
                 <a:hlinkClick r:id="rId4"/>
               </a:rPr>
+              <a:t>https://www.programiz.com/c-programming/c-arrays</a:t>
+            </a:r>
+            <a:endParaRPr lang="en-US" dirty="0"/>
+          </a:p>
+          <a:p>
+            <a:r>
+              <a:rPr lang="en-US" dirty="0">
+                <a:hlinkClick r:id="rId5"/>
+              </a:rPr>
               <a:t>https://www.freecodecamp.org/news/the-c-beginners-handbook/#strings</a:t>
             </a:r>
+            <a:endParaRPr lang="en-US" dirty="0"/>
+          </a:p>
+          <a:p>
+            <a:r>
+              <a:rPr lang="en-US" dirty="0">
+                <a:hlinkClick r:id="rId6"/>
+              </a:rPr>
+              <a:t>https://www.quora.com/How-can-I-update-an-element-in-an-array-using-C</a:t>
+            </a:r>
+            <a:endParaRPr lang="en-US" dirty="0"/>
+          </a:p>
+          <a:p>
+            <a:r>
+              <a:rPr lang="en-US" dirty="0">
+                <a:hlinkClick r:id="rId7"/>
+              </a:rPr>
+              <a:t>https://gcc.gnu.org/onlinedocs/gcc-2.95.3/cpp_1.html#SEC10</a:t>
+            </a:r>
+            <a:endParaRPr lang="en-US" dirty="0"/>
+          </a:p>
+          <a:p>
+            <a:r>
+              <a:rPr lang="en-US" dirty="0">
+                <a:hlinkClick r:id="rId8"/>
+              </a:rPr>
+              <a:t>https://www.geeksforgeeks.org/c-program-to-insert-an-element-in-an-array/</a:t>
+            </a:r>
+            <a:endParaRPr lang="en-US" dirty="0"/>
+          </a:p>
+          <a:p>
+            <a:r>
+              <a:rPr lang="en-US" dirty="0"/>
+              <a:t>https://</a:t>
+            </a:r>
+            <a:r>
+              <a:rPr lang="en-US" dirty="0" err="1"/>
+              <a:t>www.geeksforgeeks.org</a:t>
+            </a:r>
+            <a:r>
+              <a:rPr lang="en-US" dirty="0"/>
+              <a:t>/search-insert-and-delete-in-an-unsorted-array/</a:t>
+            </a:r>
+          </a:p>
+          <a:p>
+            <a:endParaRPr lang="en-US" dirty="0"/>
+          </a:p>
+          <a:p>
+            <a:endParaRPr lang="en-US" dirty="0"/>
+          </a:p>
+          <a:p>
             <a:endParaRPr lang="en-US" dirty="0"/>
           </a:p>
           <a:p>
@@ -7276,13 +9156,7 @@
           <a:p>
             <a:r>
               <a:rPr lang="en-US" dirty="0"/>
-              <a:t>Accessing elements of an array</a:t>
-            </a:r>
-          </a:p>
-          <a:p>
-            <a:r>
-              <a:rPr lang="en-US" dirty="0"/>
-              <a:t>Modifying elements of array</a:t>
+              <a:t>Accessing elements in an array</a:t>
             </a:r>
           </a:p>
           <a:p>
@@ -7294,7 +9168,19 @@
           <a:p>
             <a:r>
               <a:rPr lang="en-US" dirty="0"/>
-              <a:t>Multidimensional arrays</a:t>
+              <a:t>Updating elements in an array</a:t>
+            </a:r>
+          </a:p>
+          <a:p>
+            <a:r>
+              <a:rPr lang="en-US" dirty="0"/>
+              <a:t>Inserting elements in an array</a:t>
+            </a:r>
+          </a:p>
+          <a:p>
+            <a:r>
+              <a:rPr lang="en-US" dirty="0"/>
+              <a:t>Deleting elements in an array</a:t>
             </a:r>
           </a:p>
         </p:txBody>
@@ -9302,7 +11188,15 @@
             </a:r>
             <a:r>
               <a:rPr lang="en-US" u="sng" dirty="0" err="1"/>
-              <a:t>AccessingArrays-Exercise.c</a:t>
+              <a:t>AccessingArrays</a:t>
+            </a:r>
+            <a:r>
+              <a:rPr lang="en-US" u="sng" dirty="0"/>
+              <a:t>-Exercise-</a:t>
+            </a:r>
+            <a:r>
+              <a:rPr lang="en-US" u="sng" dirty="0" err="1"/>
+              <a:t>a.c</a:t>
             </a:r>
             <a:r>
               <a:rPr lang="en-US" u="sng" dirty="0"/>
@@ -9385,6 +11279,15 @@
 <file path=ppt/slides/slide9.xml><?xml version="1.0" encoding="utf-8"?>
 <p:sld xmlns:a="http://schemas.openxmlformats.org/drawingml/2006/main" xmlns:r="http://schemas.openxmlformats.org/officeDocument/2006/relationships" xmlns:p="http://schemas.openxmlformats.org/presentationml/2006/main">
   <p:cSld>
+    <p:bg>
+      <p:bgPr>
+        <a:blipFill>
+          <a:blip r:embed="rId3"/>
+          <a:stretch/>
+        </a:blipFill>
+        <a:effectLst/>
+      </p:bgPr>
+    </p:bg>
     <p:spTree>
       <p:nvGrpSpPr>
         <p:cNvPr id="1" name=""/>
@@ -9404,7 +11307,7 @@
           <p:cNvPr id="2" name="Title 1">
             <a:extLst>
               <a:ext uri="{FF2B5EF4-FFF2-40B4-BE49-F238E27FC236}">
-                <a16:creationId xmlns:a16="http://schemas.microsoft.com/office/drawing/2014/main" id="{E0D833DC-1949-9640-BA9F-946BEC0557F1}"/>
+                <a16:creationId xmlns:a16="http://schemas.microsoft.com/office/drawing/2014/main" id="{D0BC6982-F7DD-2A47-9B7D-27821EA4480E}"/>
               </a:ext>
             </a:extLst>
           </p:cNvPr>
@@ -9415,24 +11318,60 @@
             <p:ph type="title"/>
           </p:nvPr>
         </p:nvSpPr>
-        <p:spPr/>
-        <p:txBody>
-          <a:bodyPr/>
+        <p:spPr>
+          <a:xfrm>
+            <a:off x="6400800" y="609600"/>
+            <a:ext cx="5147730" cy="1641987"/>
+          </a:xfrm>
+        </p:spPr>
+        <p:txBody>
+          <a:bodyPr>
+            <a:normAutofit/>
+          </a:bodyPr>
           <a:lstStyle/>
           <a:p>
             <a:r>
               <a:rPr lang="en-US" dirty="0"/>
-              <a:t>Modifying elements in an array</a:t>
-            </a:r>
-          </a:p>
-        </p:txBody>
-      </p:sp>
+              <a:t>Out of bounds</a:t>
+            </a:r>
+          </a:p>
+        </p:txBody>
+      </p:sp>
+      <p:pic>
+        <p:nvPicPr>
+          <p:cNvPr id="5" name="Picture 4" descr="A picture containing person, sport, crowd, watching&#10;&#10;Description automatically generated">
+            <a:extLst>
+              <a:ext uri="{FF2B5EF4-FFF2-40B4-BE49-F238E27FC236}">
+                <a16:creationId xmlns:a16="http://schemas.microsoft.com/office/drawing/2014/main" id="{546A9AE0-819A-034E-8448-ED0CD60EF414}"/>
+              </a:ext>
+            </a:extLst>
+          </p:cNvPr>
+          <p:cNvPicPr>
+            <a:picLocks noChangeAspect="1"/>
+          </p:cNvPicPr>
+          <p:nvPr/>
+        </p:nvPicPr>
+        <p:blipFill rotWithShape="1">
+          <a:blip r:embed="rId4"/>
+          <a:srcRect l="7141" r="42859"/>
+          <a:stretch/>
+        </p:blipFill>
+        <p:spPr>
+          <a:xfrm>
+            <a:off x="20" y="975"/>
+            <a:ext cx="6095980" cy="6858000"/>
+          </a:xfrm>
+          <a:prstGeom prst="rect">
+            <a:avLst/>
+          </a:prstGeom>
+        </p:spPr>
+      </p:pic>
       <p:sp>
         <p:nvSpPr>
           <p:cNvPr id="3" name="Content Placeholder 2">
             <a:extLst>
               <a:ext uri="{FF2B5EF4-FFF2-40B4-BE49-F238E27FC236}">
-                <a16:creationId xmlns:a16="http://schemas.microsoft.com/office/drawing/2014/main" id="{5E8EBED5-0080-7D4B-AD78-E28983DE4046}"/>
+                <a16:creationId xmlns:a16="http://schemas.microsoft.com/office/drawing/2014/main" id="{EF0E456E-315B-5F4A-BCE3-DEEAB2BA9449}"/>
               </a:ext>
             </a:extLst>
           </p:cNvPr>
@@ -9443,25 +11382,475 @@
             <p:ph idx="1"/>
           </p:nvPr>
         </p:nvSpPr>
-        <p:spPr/>
-        <p:txBody>
-          <a:bodyPr/>
+        <p:spPr>
+          <a:xfrm>
+            <a:off x="6400800" y="2251587"/>
+            <a:ext cx="5147730" cy="3637935"/>
+          </a:xfrm>
+        </p:spPr>
+        <p:txBody>
+          <a:bodyPr>
+            <a:normAutofit lnSpcReduction="10000"/>
+          </a:bodyPr>
           <a:lstStyle/>
           <a:p>
-            <a:endParaRPr lang="en-US"/>
+            <a:pPr>
+              <a:lnSpc>
+                <a:spcPct val="90000"/>
+              </a:lnSpc>
+            </a:pPr>
+            <a:r>
+              <a:rPr lang="en-US" sz="1300"/>
+              <a:t>Indexes are associated to an element in the array</a:t>
+            </a:r>
+          </a:p>
+          <a:p>
+            <a:pPr lvl="1">
+              <a:lnSpc>
+                <a:spcPct val="90000"/>
+              </a:lnSpc>
+            </a:pPr>
+            <a:r>
+              <a:rPr lang="en-US" sz="1300"/>
+              <a:t>Ex</a:t>
+            </a:r>
+          </a:p>
+          <a:p>
+            <a:pPr lvl="2">
+              <a:lnSpc>
+                <a:spcPct val="90000"/>
+              </a:lnSpc>
+            </a:pPr>
+            <a:r>
+              <a:rPr lang="en-US" sz="1300"/>
+              <a:t>{45,67,87,79,24}</a:t>
+            </a:r>
+          </a:p>
+          <a:p>
+            <a:pPr lvl="2">
+              <a:lnSpc>
+                <a:spcPct val="90000"/>
+              </a:lnSpc>
+            </a:pPr>
+            <a:r>
+              <a:rPr lang="en-US" sz="1300"/>
+              <a:t>{0,   1,    2,   3,  4}</a:t>
+            </a:r>
+          </a:p>
+          <a:p>
+            <a:pPr>
+              <a:lnSpc>
+                <a:spcPct val="90000"/>
+              </a:lnSpc>
+            </a:pPr>
+            <a:r>
+              <a:rPr lang="en-US" sz="1300"/>
+              <a:t>What happens when you provide an index outside of what it has available?</a:t>
+            </a:r>
+          </a:p>
+          <a:p>
+            <a:pPr lvl="1">
+              <a:lnSpc>
+                <a:spcPct val="90000"/>
+              </a:lnSpc>
+            </a:pPr>
+            <a:r>
+              <a:rPr lang="en-US" sz="1300"/>
+              <a:t>Ex: 50</a:t>
+            </a:r>
+          </a:p>
+          <a:p>
+            <a:pPr lvl="1">
+              <a:lnSpc>
+                <a:spcPct val="90000"/>
+              </a:lnSpc>
+            </a:pPr>
+            <a:r>
+              <a:rPr lang="en-US" sz="1300"/>
+              <a:t>Runtime error!</a:t>
+            </a:r>
+          </a:p>
+          <a:p>
+            <a:pPr lvl="1">
+              <a:lnSpc>
+                <a:spcPct val="90000"/>
+              </a:lnSpc>
+            </a:pPr>
+            <a:r>
+              <a:rPr lang="en-US" sz="1300"/>
+              <a:t>Program will compile</a:t>
+            </a:r>
+          </a:p>
+          <a:p>
+            <a:pPr lvl="2">
+              <a:lnSpc>
+                <a:spcPct val="90000"/>
+              </a:lnSpc>
+            </a:pPr>
+            <a:r>
+              <a:rPr lang="en-US" sz="1300"/>
+              <a:t>Does anyone know why?</a:t>
+            </a:r>
+          </a:p>
+          <a:p>
+            <a:pPr>
+              <a:lnSpc>
+                <a:spcPct val="90000"/>
+              </a:lnSpc>
+            </a:pPr>
+            <a:r>
+              <a:rPr lang="en-US" sz="1300"/>
+              <a:t>Extremely important for you use indexes within array size</a:t>
+            </a:r>
+          </a:p>
+          <a:p>
+            <a:pPr lvl="1">
+              <a:lnSpc>
+                <a:spcPct val="90000"/>
+              </a:lnSpc>
+            </a:pPr>
+            <a:r>
+              <a:rPr lang="en-US" sz="1300"/>
+              <a:t>How </a:t>
+            </a:r>
+            <a:r>
+              <a:rPr lang="en-US" sz="1300" err="1"/>
+              <a:t>tho</a:t>
+            </a:r>
+            <a:r>
+              <a:rPr lang="en-US" sz="1300"/>
+              <a:t>?</a:t>
+            </a:r>
+          </a:p>
+          <a:p>
+            <a:pPr lvl="2">
+              <a:lnSpc>
+                <a:spcPct val="90000"/>
+              </a:lnSpc>
+            </a:pPr>
+            <a:r>
+              <a:rPr lang="en-US" sz="1300"/>
+              <a:t>4 ways we can do it (next slide)</a:t>
+            </a:r>
           </a:p>
         </p:txBody>
       </p:sp>
     </p:spTree>
     <p:extLst>
       <p:ext uri="{BB962C8B-B14F-4D97-AF65-F5344CB8AC3E}">
-        <p14:creationId xmlns:p14="http://schemas.microsoft.com/office/powerpoint/2010/main" val="3108137180"/>
+        <p14:creationId xmlns:p14="http://schemas.microsoft.com/office/powerpoint/2010/main" val="411109188"/>
       </p:ext>
     </p:extLst>
   </p:cSld>
   <p:clrMapOvr>
     <a:masterClrMapping/>
   </p:clrMapOvr>
+  <p:timing>
+    <p:tnLst>
+      <p:par>
+        <p:cTn id="1" dur="indefinite" restart="never" nodeType="tmRoot">
+          <p:childTnLst>
+            <p:seq concurrent="1" nextAc="seek">
+              <p:cTn id="2" dur="indefinite" nodeType="mainSeq">
+                <p:childTnLst>
+                  <p:par>
+                    <p:cTn id="3" fill="hold">
+                      <p:stCondLst>
+                        <p:cond delay="indefinite"/>
+                      </p:stCondLst>
+                      <p:childTnLst>
+                        <p:par>
+                          <p:cTn id="4" fill="hold">
+                            <p:stCondLst>
+                              <p:cond delay="0"/>
+                            </p:stCondLst>
+                            <p:childTnLst>
+                              <p:par>
+                                <p:cTn id="5" presetID="1" presetClass="entr" presetSubtype="0" fill="hold" nodeType="clickEffect">
+                                  <p:stCondLst>
+                                    <p:cond delay="0"/>
+                                  </p:stCondLst>
+                                  <p:childTnLst>
+                                    <p:set>
+                                      <p:cBhvr>
+                                        <p:cTn id="6" dur="1" fill="hold">
+                                          <p:stCondLst>
+                                            <p:cond delay="0"/>
+                                          </p:stCondLst>
+                                        </p:cTn>
+                                        <p:tgtEl>
+                                          <p:spTgt spid="3">
+                                            <p:txEl>
+                                              <p:pRg st="6" end="6"/>
+                                            </p:txEl>
+                                          </p:spTgt>
+                                        </p:tgtEl>
+                                        <p:attrNameLst>
+                                          <p:attrName>style.visibility</p:attrName>
+                                        </p:attrNameLst>
+                                      </p:cBhvr>
+                                      <p:to>
+                                        <p:strVal val="visible"/>
+                                      </p:to>
+                                    </p:set>
+                                  </p:childTnLst>
+                                </p:cTn>
+                              </p:par>
+                            </p:childTnLst>
+                          </p:cTn>
+                        </p:par>
+                      </p:childTnLst>
+                    </p:cTn>
+                  </p:par>
+                  <p:par>
+                    <p:cTn id="7" fill="hold">
+                      <p:stCondLst>
+                        <p:cond delay="indefinite"/>
+                      </p:stCondLst>
+                      <p:childTnLst>
+                        <p:par>
+                          <p:cTn id="8" fill="hold">
+                            <p:stCondLst>
+                              <p:cond delay="0"/>
+                            </p:stCondLst>
+                            <p:childTnLst>
+                              <p:par>
+                                <p:cTn id="9" presetID="1" presetClass="entr" presetSubtype="0" fill="hold" nodeType="clickEffect">
+                                  <p:stCondLst>
+                                    <p:cond delay="0"/>
+                                  </p:stCondLst>
+                                  <p:childTnLst>
+                                    <p:set>
+                                      <p:cBhvr>
+                                        <p:cTn id="10" dur="1" fill="hold">
+                                          <p:stCondLst>
+                                            <p:cond delay="0"/>
+                                          </p:stCondLst>
+                                        </p:cTn>
+                                        <p:tgtEl>
+                                          <p:spTgt spid="3">
+                                            <p:txEl>
+                                              <p:pRg st="7" end="7"/>
+                                            </p:txEl>
+                                          </p:spTgt>
+                                        </p:tgtEl>
+                                        <p:attrNameLst>
+                                          <p:attrName>style.visibility</p:attrName>
+                                        </p:attrNameLst>
+                                      </p:cBhvr>
+                                      <p:to>
+                                        <p:strVal val="visible"/>
+                                      </p:to>
+                                    </p:set>
+                                  </p:childTnLst>
+                                </p:cTn>
+                              </p:par>
+                              <p:par>
+                                <p:cTn id="11" presetID="1" presetClass="entr" presetSubtype="0" fill="hold" nodeType="withEffect">
+                                  <p:stCondLst>
+                                    <p:cond delay="0"/>
+                                  </p:stCondLst>
+                                  <p:childTnLst>
+                                    <p:set>
+                                      <p:cBhvr>
+                                        <p:cTn id="12" dur="1" fill="hold">
+                                          <p:stCondLst>
+                                            <p:cond delay="0"/>
+                                          </p:stCondLst>
+                                        </p:cTn>
+                                        <p:tgtEl>
+                                          <p:spTgt spid="3">
+                                            <p:txEl>
+                                              <p:pRg st="8" end="8"/>
+                                            </p:txEl>
+                                          </p:spTgt>
+                                        </p:tgtEl>
+                                        <p:attrNameLst>
+                                          <p:attrName>style.visibility</p:attrName>
+                                        </p:attrNameLst>
+                                      </p:cBhvr>
+                                      <p:to>
+                                        <p:strVal val="visible"/>
+                                      </p:to>
+                                    </p:set>
+                                  </p:childTnLst>
+                                </p:cTn>
+                              </p:par>
+                            </p:childTnLst>
+                          </p:cTn>
+                        </p:par>
+                      </p:childTnLst>
+                    </p:cTn>
+                  </p:par>
+                  <p:par>
+                    <p:cTn id="13" fill="hold">
+                      <p:stCondLst>
+                        <p:cond delay="indefinite"/>
+                      </p:stCondLst>
+                      <p:childTnLst>
+                        <p:par>
+                          <p:cTn id="14" fill="hold">
+                            <p:stCondLst>
+                              <p:cond delay="0"/>
+                            </p:stCondLst>
+                            <p:childTnLst>
+                              <p:par>
+                                <p:cTn id="15" presetID="1" presetClass="entr" presetSubtype="0" fill="hold" nodeType="clickEffect">
+                                  <p:stCondLst>
+                                    <p:cond delay="0"/>
+                                  </p:stCondLst>
+                                  <p:childTnLst>
+                                    <p:set>
+                                      <p:cBhvr>
+                                        <p:cTn id="16" dur="1" fill="hold">
+                                          <p:stCondLst>
+                                            <p:cond delay="0"/>
+                                          </p:stCondLst>
+                                        </p:cTn>
+                                        <p:tgtEl>
+                                          <p:spTgt spid="3">
+                                            <p:txEl>
+                                              <p:pRg st="9" end="9"/>
+                                            </p:txEl>
+                                          </p:spTgt>
+                                        </p:tgtEl>
+                                        <p:attrNameLst>
+                                          <p:attrName>style.visibility</p:attrName>
+                                        </p:attrNameLst>
+                                      </p:cBhvr>
+                                      <p:to>
+                                        <p:strVal val="visible"/>
+                                      </p:to>
+                                    </p:set>
+                                  </p:childTnLst>
+                                </p:cTn>
+                              </p:par>
+                            </p:childTnLst>
+                          </p:cTn>
+                        </p:par>
+                      </p:childTnLst>
+                    </p:cTn>
+                  </p:par>
+                  <p:par>
+                    <p:cTn id="17" fill="hold">
+                      <p:stCondLst>
+                        <p:cond delay="indefinite"/>
+                      </p:stCondLst>
+                      <p:childTnLst>
+                        <p:par>
+                          <p:cTn id="18" fill="hold">
+                            <p:stCondLst>
+                              <p:cond delay="0"/>
+                            </p:stCondLst>
+                            <p:childTnLst>
+                              <p:par>
+                                <p:cTn id="19" presetID="1" presetClass="entr" presetSubtype="0" fill="hold" nodeType="clickEffect">
+                                  <p:stCondLst>
+                                    <p:cond delay="0"/>
+                                  </p:stCondLst>
+                                  <p:childTnLst>
+                                    <p:set>
+                                      <p:cBhvr>
+                                        <p:cTn id="20" dur="1" fill="hold">
+                                          <p:stCondLst>
+                                            <p:cond delay="0"/>
+                                          </p:stCondLst>
+                                        </p:cTn>
+                                        <p:tgtEl>
+                                          <p:spTgt spid="3">
+                                            <p:txEl>
+                                              <p:pRg st="10" end="10"/>
+                                            </p:txEl>
+                                          </p:spTgt>
+                                        </p:tgtEl>
+                                        <p:attrNameLst>
+                                          <p:attrName>style.visibility</p:attrName>
+                                        </p:attrNameLst>
+                                      </p:cBhvr>
+                                      <p:to>
+                                        <p:strVal val="visible"/>
+                                      </p:to>
+                                    </p:set>
+                                  </p:childTnLst>
+                                </p:cTn>
+                              </p:par>
+                            </p:childTnLst>
+                          </p:cTn>
+                        </p:par>
+                      </p:childTnLst>
+                    </p:cTn>
+                  </p:par>
+                  <p:par>
+                    <p:cTn id="21" fill="hold">
+                      <p:stCondLst>
+                        <p:cond delay="indefinite"/>
+                      </p:stCondLst>
+                      <p:childTnLst>
+                        <p:par>
+                          <p:cTn id="22" fill="hold">
+                            <p:stCondLst>
+                              <p:cond delay="0"/>
+                            </p:stCondLst>
+                            <p:childTnLst>
+                              <p:par>
+                                <p:cTn id="23" presetID="1" presetClass="entr" presetSubtype="0" fill="hold" nodeType="clickEffect">
+                                  <p:stCondLst>
+                                    <p:cond delay="0"/>
+                                  </p:stCondLst>
+                                  <p:childTnLst>
+                                    <p:set>
+                                      <p:cBhvr>
+                                        <p:cTn id="24" dur="1" fill="hold">
+                                          <p:stCondLst>
+                                            <p:cond delay="0"/>
+                                          </p:stCondLst>
+                                        </p:cTn>
+                                        <p:tgtEl>
+                                          <p:spTgt spid="3">
+                                            <p:txEl>
+                                              <p:pRg st="11" end="11"/>
+                                            </p:txEl>
+                                          </p:spTgt>
+                                        </p:tgtEl>
+                                        <p:attrNameLst>
+                                          <p:attrName>style.visibility</p:attrName>
+                                        </p:attrNameLst>
+                                      </p:cBhvr>
+                                      <p:to>
+                                        <p:strVal val="visible"/>
+                                      </p:to>
+                                    </p:set>
+                                  </p:childTnLst>
+                                </p:cTn>
+                              </p:par>
+                            </p:childTnLst>
+                          </p:cTn>
+                        </p:par>
+                      </p:childTnLst>
+                    </p:cTn>
+                  </p:par>
+                </p:childTnLst>
+              </p:cTn>
+              <p:prevCondLst>
+                <p:cond evt="onPrev" delay="0">
+                  <p:tgtEl>
+                    <p:sldTgt/>
+                  </p:tgtEl>
+                </p:cond>
+              </p:prevCondLst>
+              <p:nextCondLst>
+                <p:cond evt="onNext" delay="0">
+                  <p:tgtEl>
+                    <p:sldTgt/>
+                  </p:tgtEl>
+                </p:cond>
+              </p:nextCondLst>
+            </p:seq>
+          </p:childTnLst>
+        </p:cTn>
+      </p:par>
+    </p:tnLst>
+  </p:timing>
 </p:sld>
 </file>
 
